--- a/Slides/On-Campus/05_02_unconciousBias_Logic.pptx
+++ b/Slides/On-Campus/05_02_unconciousBias_Logic.pptx
@@ -12,15 +12,15 @@
   </p:handoutMasterIdLst>
   <p:sldIdLst>
     <p:sldId id="256" r:id="rId2"/>
-    <p:sldId id="267" r:id="rId3"/>
+    <p:sldId id="271" r:id="rId3"/>
     <p:sldId id="263" r:id="rId4"/>
     <p:sldId id="264" r:id="rId5"/>
     <p:sldId id="265" r:id="rId6"/>
-    <p:sldId id="266" r:id="rId7"/>
+    <p:sldId id="272" r:id="rId7"/>
     <p:sldId id="257" r:id="rId8"/>
     <p:sldId id="258" r:id="rId9"/>
-    <p:sldId id="259" r:id="rId10"/>
-    <p:sldId id="268" r:id="rId11"/>
+    <p:sldId id="268" r:id="rId10"/>
+    <p:sldId id="259" r:id="rId11"/>
     <p:sldId id="260" r:id="rId12"/>
     <p:sldId id="269" r:id="rId13"/>
     <p:sldId id="261" r:id="rId14"/>
@@ -228,7 +228,7 @@
           <a:p>
             <a:fld id="{4D7E51A5-B478-1E40-8CBB-0DAA8831E99D}" type="datetimeFigureOut">
               <a:rPr lang="en-US" smtClean="0"/>
-              <a:t>9/15/21</a:t>
+              <a:t>9/22/2021</a:t>
             </a:fld>
             <a:endParaRPr lang="en-US"/>
           </a:p>
@@ -393,7 +393,7 @@
           <a:p>
             <a:fld id="{D0ED587F-861E-6740-9643-E3DDAE89B8D6}" type="datetimeFigureOut">
               <a:rPr lang="en-US" smtClean="0"/>
-              <a:t>9/15/21</a:t>
+              <a:t>9/22/2021</a:t>
             </a:fld>
             <a:endParaRPr lang="en-US"/>
           </a:p>
@@ -661,6 +661,90 @@
 </file>
 
 <file path=ppt/notesSlides/notesSlide1.xml><?xml version="1.0" encoding="utf-8"?>
+<p:notes xmlns:a="http://schemas.openxmlformats.org/drawingml/2006/main" xmlns:r="http://schemas.openxmlformats.org/officeDocument/2006/relationships" xmlns:p="http://schemas.openxmlformats.org/presentationml/2006/main">
+  <p:cSld>
+    <p:spTree>
+      <p:nvGrpSpPr>
+        <p:cNvPr id="1" name=""/>
+        <p:cNvGrpSpPr/>
+        <p:nvPr/>
+      </p:nvGrpSpPr>
+      <p:grpSpPr>
+        <a:xfrm>
+          <a:off x="0" y="0"/>
+          <a:ext cx="0" cy="0"/>
+          <a:chOff x="0" y="0"/>
+          <a:chExt cx="0" cy="0"/>
+        </a:xfrm>
+      </p:grpSpPr>
+      <p:sp>
+        <p:nvSpPr>
+          <p:cNvPr id="2" name="Slide Image Placeholder 1"/>
+          <p:cNvSpPr>
+            <a:spLocks noGrp="1" noRot="1" noChangeAspect="1"/>
+          </p:cNvSpPr>
+          <p:nvPr>
+            <p:ph type="sldImg"/>
+          </p:nvPr>
+        </p:nvSpPr>
+        <p:spPr/>
+      </p:sp>
+      <p:sp>
+        <p:nvSpPr>
+          <p:cNvPr id="3" name="Notes Placeholder 2"/>
+          <p:cNvSpPr>
+            <a:spLocks noGrp="1"/>
+          </p:cNvSpPr>
+          <p:nvPr>
+            <p:ph type="body" idx="1"/>
+          </p:nvPr>
+        </p:nvSpPr>
+        <p:spPr/>
+        <p:txBody>
+          <a:bodyPr/>
+          <a:lstStyle/>
+          <a:p>
+            <a:endParaRPr lang="en-US" dirty="0"/>
+          </a:p>
+        </p:txBody>
+      </p:sp>
+      <p:sp>
+        <p:nvSpPr>
+          <p:cNvPr id="4" name="Slide Number Placeholder 3"/>
+          <p:cNvSpPr>
+            <a:spLocks noGrp="1"/>
+          </p:cNvSpPr>
+          <p:nvPr>
+            <p:ph type="sldNum" sz="quarter" idx="5"/>
+          </p:nvPr>
+        </p:nvSpPr>
+        <p:spPr/>
+        <p:txBody>
+          <a:bodyPr/>
+          <a:lstStyle/>
+          <a:p>
+            <a:fld id="{1A032F50-0B60-B34B-8422-4E195A5AE2C1}" type="slidenum">
+              <a:rPr lang="en-US" smtClean="0"/>
+              <a:t>2</a:t>
+            </a:fld>
+            <a:endParaRPr lang="en-US"/>
+          </a:p>
+        </p:txBody>
+      </p:sp>
+    </p:spTree>
+    <p:extLst>
+      <p:ext uri="{BB962C8B-B14F-4D97-AF65-F5344CB8AC3E}">
+        <p14:creationId xmlns:p14="http://schemas.microsoft.com/office/powerpoint/2010/main" val="1350184375"/>
+      </p:ext>
+    </p:extLst>
+  </p:cSld>
+  <p:clrMapOvr>
+    <a:masterClrMapping/>
+  </p:clrMapOvr>
+</p:notes>
+</file>
+
+<file path=ppt/notesSlides/notesSlide2.xml><?xml version="1.0" encoding="utf-8"?>
 <p:notes xmlns:a="http://schemas.openxmlformats.org/drawingml/2006/main" xmlns:r="http://schemas.openxmlformats.org/officeDocument/2006/relationships" xmlns:p="http://schemas.openxmlformats.org/presentationml/2006/main" showMasterSp="0" showMasterPhAnim="0">
   <p:cSld>
     <p:spTree>
@@ -764,7 +848,7 @@
 </p:notes>
 </file>
 
-<file path=ppt/notesSlides/notesSlide2.xml><?xml version="1.0" encoding="utf-8"?>
+<file path=ppt/notesSlides/notesSlide3.xml><?xml version="1.0" encoding="utf-8"?>
 <p:notes xmlns:a="http://schemas.openxmlformats.org/drawingml/2006/main" xmlns:r="http://schemas.openxmlformats.org/officeDocument/2006/relationships" xmlns:p="http://schemas.openxmlformats.org/presentationml/2006/main" showMasterSp="0" showMasterPhAnim="0">
   <p:cSld>
     <p:spTree>
@@ -868,7 +952,7 @@
 </p:notes>
 </file>
 
-<file path=ppt/notesSlides/notesSlide3.xml><?xml version="1.0" encoding="utf-8"?>
+<file path=ppt/notesSlides/notesSlide4.xml><?xml version="1.0" encoding="utf-8"?>
 <p:notes xmlns:a="http://schemas.openxmlformats.org/drawingml/2006/main" xmlns:r="http://schemas.openxmlformats.org/officeDocument/2006/relationships" xmlns:p="http://schemas.openxmlformats.org/presentationml/2006/main" showMasterSp="0" showMasterPhAnim="0">
   <p:cSld>
     <p:spTree>
@@ -929,110 +1013,6 @@
       <p:sp>
         <p:nvSpPr>
           <p:cNvPr id="218" name="Google Shape;218;g7dc7711cf5_0_26:notes"/>
-          <p:cNvSpPr txBox="1">
-            <a:spLocks noGrp="1"/>
-          </p:cNvSpPr>
-          <p:nvPr>
-            <p:ph type="body" idx="1"/>
-          </p:nvPr>
-        </p:nvSpPr>
-        <p:spPr>
-          <a:xfrm>
-            <a:off x="685800" y="4343400"/>
-            <a:ext cx="5486400" cy="4114800"/>
-          </a:xfrm>
-          <a:prstGeom prst="rect">
-            <a:avLst/>
-          </a:prstGeom>
-        </p:spPr>
-        <p:txBody>
-          <a:bodyPr spcFirstLastPara="1" wrap="square" lIns="91425" tIns="91425" rIns="91425" bIns="91425" anchor="t" anchorCtr="0">
-            <a:noAutofit/>
-          </a:bodyPr>
-          <a:lstStyle/>
-          <a:p>
-            <a:pPr marL="0" lvl="0" indent="0" algn="l" rtl="0">
-              <a:spcBef>
-                <a:spcPts val="0"/>
-              </a:spcBef>
-              <a:spcAft>
-                <a:spcPts val="0"/>
-              </a:spcAft>
-              <a:buNone/>
-            </a:pPr>
-            <a:endParaRPr dirty="0"/>
-          </a:p>
-        </p:txBody>
-      </p:sp>
-    </p:spTree>
-  </p:cSld>
-  <p:clrMapOvr>
-    <a:masterClrMapping/>
-  </p:clrMapOvr>
-</p:notes>
-</file>
-
-<file path=ppt/notesSlides/notesSlide4.xml><?xml version="1.0" encoding="utf-8"?>
-<p:notes xmlns:a="http://schemas.openxmlformats.org/drawingml/2006/main" xmlns:r="http://schemas.openxmlformats.org/officeDocument/2006/relationships" xmlns:p="http://schemas.openxmlformats.org/presentationml/2006/main" showMasterSp="0" showMasterPhAnim="0">
-  <p:cSld>
-    <p:spTree>
-      <p:nvGrpSpPr>
-        <p:cNvPr id="1" name="Shape 222"/>
-        <p:cNvGrpSpPr/>
-        <p:nvPr/>
-      </p:nvGrpSpPr>
-      <p:grpSpPr>
-        <a:xfrm>
-          <a:off x="0" y="0"/>
-          <a:ext cx="0" cy="0"/>
-          <a:chOff x="0" y="0"/>
-          <a:chExt cx="0" cy="0"/>
-        </a:xfrm>
-      </p:grpSpPr>
-      <p:sp>
-        <p:nvSpPr>
-          <p:cNvPr id="223" name="Google Shape;223;g7dc7711cf5_0_31:notes"/>
-          <p:cNvSpPr>
-            <a:spLocks noGrp="1" noRot="1" noChangeAspect="1"/>
-          </p:cNvSpPr>
-          <p:nvPr>
-            <p:ph type="sldImg" idx="2"/>
-          </p:nvPr>
-        </p:nvSpPr>
-        <p:spPr>
-          <a:xfrm>
-            <a:off x="381000" y="685800"/>
-            <a:ext cx="6096000" cy="3429000"/>
-          </a:xfrm>
-          <a:custGeom>
-            <a:avLst/>
-            <a:gdLst/>
-            <a:ahLst/>
-            <a:cxnLst/>
-            <a:rect l="l" t="t" r="r" b="b"/>
-            <a:pathLst>
-              <a:path w="120000" h="120000" extrusionOk="0">
-                <a:moveTo>
-                  <a:pt x="0" y="0"/>
-                </a:moveTo>
-                <a:lnTo>
-                  <a:pt x="120000" y="0"/>
-                </a:lnTo>
-                <a:lnTo>
-                  <a:pt x="120000" y="120000"/>
-                </a:lnTo>
-                <a:lnTo>
-                  <a:pt x="0" y="120000"/>
-                </a:lnTo>
-                <a:close/>
-              </a:path>
-            </a:pathLst>
-          </a:custGeom>
-        </p:spPr>
-      </p:sp>
-      <p:sp>
-        <p:nvSpPr>
-          <p:cNvPr id="224" name="Google Shape;224;g7dc7711cf5_0_31:notes"/>
           <p:cNvSpPr txBox="1">
             <a:spLocks noGrp="1"/>
           </p:cNvSpPr>
@@ -7752,7 +7732,7 @@
           <p:cNvPr id="2" name="Title 1">
             <a:extLst>
               <a:ext uri="{FF2B5EF4-FFF2-40B4-BE49-F238E27FC236}">
-                <a16:creationId xmlns:a16="http://schemas.microsoft.com/office/drawing/2014/main" id="{4D7D826B-BAE0-E54A-A018-BD5D38416B6F}"/>
+                <a16:creationId xmlns:a16="http://schemas.microsoft.com/office/drawing/2014/main" id="{E29375D8-831F-FA4E-AD5B-305E6F250E0C}"/>
               </a:ext>
             </a:extLst>
           </p:cNvPr>
@@ -7770,7 +7750,7 @@
           <a:p>
             <a:r>
               <a:rPr lang="en-US" dirty="0"/>
-              <a:t>Practice 1</a:t>
+              <a:t>Order of Evaluation</a:t>
             </a:r>
           </a:p>
         </p:txBody>
@@ -7780,7 +7760,7 @@
           <p:cNvPr id="3" name="Text Placeholder 2">
             <a:extLst>
               <a:ext uri="{FF2B5EF4-FFF2-40B4-BE49-F238E27FC236}">
-                <a16:creationId xmlns:a16="http://schemas.microsoft.com/office/drawing/2014/main" id="{84D2BA72-150F-7B41-9EFE-477E9B8D8E4D}"/>
+                <a16:creationId xmlns:a16="http://schemas.microsoft.com/office/drawing/2014/main" id="{D699828F-35C3-5140-9FBD-4616B3D579AE}"/>
               </a:ext>
             </a:extLst>
           </p:cNvPr>
@@ -7803,32 +7783,31 @@
           <a:p>
             <a:r>
               <a:rPr lang="en-US" dirty="0"/>
-              <a:t>Write a line of code that returns true if one is “Rock” and two is “Scissors”</a:t>
+              <a:t>What happens in this statement?</a:t>
             </a:r>
           </a:p>
         </p:txBody>
       </p:sp>
       <p:sp>
         <p:nvSpPr>
-          <p:cNvPr id="5" name="TextBox 4">
+          <p:cNvPr id="4" name="Rectangle 3">
             <a:extLst>
               <a:ext uri="{FF2B5EF4-FFF2-40B4-BE49-F238E27FC236}">
-                <a16:creationId xmlns:a16="http://schemas.microsoft.com/office/drawing/2014/main" id="{F1358CAA-556E-564D-8878-E5786AC41A4E}"/>
+                <a16:creationId xmlns:a16="http://schemas.microsoft.com/office/drawing/2014/main" id="{8DCF2316-8BEA-BA42-84E9-1A290B120B3F}"/>
               </a:ext>
             </a:extLst>
           </p:cNvPr>
-          <p:cNvSpPr txBox="1"/>
+          <p:cNvSpPr/>
           <p:nvPr/>
         </p:nvSpPr>
         <p:spPr>
           <a:xfrm>
-            <a:off x="1128890" y="2570994"/>
-            <a:ext cx="6908800" cy="707886"/>
+            <a:off x="628075" y="2392591"/>
+            <a:ext cx="12252960" cy="1938992"/>
           </a:xfrm>
           <a:prstGeom prst="rect">
             <a:avLst/>
           </a:prstGeom>
-          <a:noFill/>
         </p:spPr>
         <p:txBody>
           <a:bodyPr wrap="square">
@@ -7837,84 +7816,546 @@
           <a:lstStyle/>
           <a:p>
             <a:r>
-              <a:rPr lang="en-US" sz="2000" dirty="0">
+              <a:rPr lang="en-US" dirty="0">
+                <a:latin typeface="Consolas" panose="020B0609020204030204" pitchFamily="49" charset="0"/>
+                <a:cs typeface="Consolas" panose="020B0609020204030204" pitchFamily="49" charset="0"/>
+              </a:rPr>
+              <a:t>companion = </a:t>
+            </a:r>
+            <a:r>
+              <a:rPr lang="en-US" dirty="0">
+                <a:solidFill>
+                  <a:srgbClr val="8888C6"/>
+                </a:solidFill>
+                <a:latin typeface="Consolas" panose="020B0609020204030204" pitchFamily="49" charset="0"/>
+                <a:cs typeface="Consolas" panose="020B0609020204030204" pitchFamily="49" charset="0"/>
+              </a:rPr>
+              <a:t>input</a:t>
+            </a:r>
+            <a:r>
+              <a:rPr lang="en-US" dirty="0">
+                <a:latin typeface="Consolas" panose="020B0609020204030204" pitchFamily="49" charset="0"/>
+                <a:cs typeface="Consolas" panose="020B0609020204030204" pitchFamily="49" charset="0"/>
+              </a:rPr>
+              <a:t>(</a:t>
+            </a:r>
+            <a:r>
+              <a:rPr lang="en-US" dirty="0">
+                <a:solidFill>
+                  <a:srgbClr val="6A8759"/>
+                </a:solidFill>
+                <a:latin typeface="Consolas" panose="020B0609020204030204" pitchFamily="49" charset="0"/>
+                <a:cs typeface="Consolas" panose="020B0609020204030204" pitchFamily="49" charset="0"/>
+              </a:rPr>
+              <a:t>"Who is your favorite companion? "</a:t>
+            </a:r>
+            <a:r>
+              <a:rPr lang="en-US" dirty="0">
+                <a:latin typeface="Consolas" panose="020B0609020204030204" pitchFamily="49" charset="0"/>
+                <a:cs typeface="Consolas" panose="020B0609020204030204" pitchFamily="49" charset="0"/>
+              </a:rPr>
+              <a:t>)</a:t>
+            </a:r>
+            <a:br>
+              <a:rPr lang="en-US" dirty="0">
+                <a:latin typeface="Consolas" panose="020B0609020204030204" pitchFamily="49" charset="0"/>
+                <a:cs typeface="Consolas" panose="020B0609020204030204" pitchFamily="49" charset="0"/>
+              </a:rPr>
+            </a:br>
+            <a:r>
+              <a:rPr lang="en-US" dirty="0">
+                <a:latin typeface="Consolas" panose="020B0609020204030204" pitchFamily="49" charset="0"/>
+                <a:cs typeface="Consolas" panose="020B0609020204030204" pitchFamily="49" charset="0"/>
+              </a:rPr>
+              <a:t>companion2 = </a:t>
+            </a:r>
+            <a:r>
+              <a:rPr lang="en-US" dirty="0">
+                <a:solidFill>
+                  <a:srgbClr val="8888C6"/>
+                </a:solidFill>
+                <a:latin typeface="Consolas" panose="020B0609020204030204" pitchFamily="49" charset="0"/>
+                <a:cs typeface="Consolas" panose="020B0609020204030204" pitchFamily="49" charset="0"/>
+              </a:rPr>
+              <a:t>input</a:t>
+            </a:r>
+            <a:r>
+              <a:rPr lang="en-US" dirty="0">
+                <a:latin typeface="Consolas" panose="020B0609020204030204" pitchFamily="49" charset="0"/>
+                <a:cs typeface="Consolas" panose="020B0609020204030204" pitchFamily="49" charset="0"/>
+              </a:rPr>
+              <a:t>(</a:t>
+            </a:r>
+            <a:r>
+              <a:rPr lang="en-US" dirty="0">
+                <a:solidFill>
+                  <a:srgbClr val="6A8759"/>
+                </a:solidFill>
+                <a:latin typeface="Consolas" panose="020B0609020204030204" pitchFamily="49" charset="0"/>
+                <a:cs typeface="Consolas" panose="020B0609020204030204" pitchFamily="49" charset="0"/>
+              </a:rPr>
+              <a:t>"Who is the clever one? "</a:t>
+            </a:r>
+            <a:r>
+              <a:rPr lang="en-US" dirty="0">
+                <a:latin typeface="Consolas" panose="020B0609020204030204" pitchFamily="49" charset="0"/>
+                <a:cs typeface="Consolas" panose="020B0609020204030204" pitchFamily="49" charset="0"/>
+              </a:rPr>
+              <a:t>)</a:t>
+            </a:r>
+            <a:br>
+              <a:rPr lang="en-US" dirty="0">
+                <a:latin typeface="Consolas" panose="020B0609020204030204" pitchFamily="49" charset="0"/>
+                <a:cs typeface="Consolas" panose="020B0609020204030204" pitchFamily="49" charset="0"/>
+              </a:rPr>
+            </a:br>
+            <a:r>
+              <a:rPr lang="en-US" dirty="0">
                 <a:solidFill>
                   <a:srgbClr val="CC7832"/>
                 </a:solidFill>
                 <a:latin typeface="Consolas" panose="020B0609020204030204" pitchFamily="49" charset="0"/>
                 <a:cs typeface="Consolas" panose="020B0609020204030204" pitchFamily="49" charset="0"/>
               </a:rPr>
-              <a:t>def </a:t>
-            </a:r>
-            <a:r>
-              <a:rPr lang="en-US" sz="2000" dirty="0" err="1">
-                <a:solidFill>
-                  <a:srgbClr val="FFC66D"/>
-                </a:solidFill>
-                <a:latin typeface="Consolas" panose="020B0609020204030204" pitchFamily="49" charset="0"/>
-                <a:cs typeface="Consolas" panose="020B0609020204030204" pitchFamily="49" charset="0"/>
-              </a:rPr>
-              <a:t>check_single</a:t>
-            </a:r>
-            <a:r>
-              <a:rPr lang="en-US" sz="2000" dirty="0">
-                <a:latin typeface="Consolas" panose="020B0609020204030204" pitchFamily="49" charset="0"/>
-                <a:cs typeface="Consolas" panose="020B0609020204030204" pitchFamily="49" charset="0"/>
-              </a:rPr>
-              <a:t>(one</a:t>
-            </a:r>
-            <a:r>
-              <a:rPr lang="en-US" sz="2000" dirty="0">
+              <a:t>if </a:t>
+            </a:r>
+            <a:r>
+              <a:rPr lang="en-US" dirty="0">
+                <a:latin typeface="Consolas" panose="020B0609020204030204" pitchFamily="49" charset="0"/>
+                <a:cs typeface="Consolas" panose="020B0609020204030204" pitchFamily="49" charset="0"/>
+              </a:rPr>
+              <a:t>companion == </a:t>
+            </a:r>
+            <a:r>
+              <a:rPr lang="en-US" dirty="0">
+                <a:solidFill>
+                  <a:srgbClr val="6A8759"/>
+                </a:solidFill>
+                <a:latin typeface="Consolas" panose="020B0609020204030204" pitchFamily="49" charset="0"/>
+                <a:cs typeface="Consolas" panose="020B0609020204030204" pitchFamily="49" charset="0"/>
+              </a:rPr>
+              <a:t>"Amy" </a:t>
+            </a:r>
+            <a:r>
+              <a:rPr lang="en-US" dirty="0">
                 <a:solidFill>
                   <a:srgbClr val="CC7832"/>
                 </a:solidFill>
                 <a:latin typeface="Consolas" panose="020B0609020204030204" pitchFamily="49" charset="0"/>
                 <a:cs typeface="Consolas" panose="020B0609020204030204" pitchFamily="49" charset="0"/>
               </a:rPr>
-              <a:t>, </a:t>
-            </a:r>
-            <a:r>
-              <a:rPr lang="en-US" sz="2000" dirty="0">
-                <a:latin typeface="Consolas" panose="020B0609020204030204" pitchFamily="49" charset="0"/>
-                <a:cs typeface="Consolas" panose="020B0609020204030204" pitchFamily="49" charset="0"/>
-              </a:rPr>
-              <a:t>two):</a:t>
+              <a:t>or </a:t>
+            </a:r>
+            <a:r>
+              <a:rPr lang="en-US" dirty="0">
+                <a:latin typeface="Consolas" panose="020B0609020204030204" pitchFamily="49" charset="0"/>
+                <a:cs typeface="Consolas" panose="020B0609020204030204" pitchFamily="49" charset="0"/>
+              </a:rPr>
+              <a:t>companion == </a:t>
+            </a:r>
+            <a:r>
+              <a:rPr lang="en-US" dirty="0">
+                <a:solidFill>
+                  <a:srgbClr val="6A8759"/>
+                </a:solidFill>
+                <a:latin typeface="Consolas" panose="020B0609020204030204" pitchFamily="49" charset="0"/>
+                <a:cs typeface="Consolas" panose="020B0609020204030204" pitchFamily="49" charset="0"/>
+              </a:rPr>
+              <a:t>"Martha"</a:t>
+            </a:r>
+            <a:r>
+              <a:rPr lang="en-US" dirty="0">
+                <a:latin typeface="Consolas" panose="020B0609020204030204" pitchFamily="49" charset="0"/>
+                <a:cs typeface="Consolas" panose="020B0609020204030204" pitchFamily="49" charset="0"/>
+              </a:rPr>
+              <a:t> </a:t>
+            </a:r>
+            <a:r>
+              <a:rPr lang="en-US" dirty="0">
+                <a:solidFill>
+                  <a:srgbClr val="CC7832"/>
+                </a:solidFill>
+                <a:latin typeface="Consolas" panose="020B0609020204030204" pitchFamily="49" charset="0"/>
+                <a:cs typeface="Consolas" panose="020B0609020204030204" pitchFamily="49" charset="0"/>
+              </a:rPr>
+              <a:t>and </a:t>
+            </a:r>
+            <a:r>
+              <a:rPr lang="en-US" dirty="0">
+                <a:latin typeface="Consolas" panose="020B0609020204030204" pitchFamily="49" charset="0"/>
+                <a:cs typeface="Consolas" panose="020B0609020204030204" pitchFamily="49" charset="0"/>
+              </a:rPr>
+              <a:t>companion2 == </a:t>
+            </a:r>
+            <a:r>
+              <a:rPr lang="en-US" dirty="0">
+                <a:solidFill>
+                  <a:srgbClr val="6A8759"/>
+                </a:solidFill>
+                <a:latin typeface="Consolas" panose="020B0609020204030204" pitchFamily="49" charset="0"/>
+                <a:cs typeface="Consolas" panose="020B0609020204030204" pitchFamily="49" charset="0"/>
+              </a:rPr>
+              <a:t>"Clara"</a:t>
+            </a:r>
+            <a:r>
+              <a:rPr lang="en-US" dirty="0">
+                <a:latin typeface="Consolas" panose="020B0609020204030204" pitchFamily="49" charset="0"/>
+                <a:cs typeface="Consolas" panose="020B0609020204030204" pitchFamily="49" charset="0"/>
+              </a:rPr>
+              <a:t>:</a:t>
             </a:r>
             <a:br>
-              <a:rPr lang="en-US" sz="2000" dirty="0">
+              <a:rPr lang="en-US" dirty="0">
                 <a:latin typeface="Consolas" panose="020B0609020204030204" pitchFamily="49" charset="0"/>
                 <a:cs typeface="Consolas" panose="020B0609020204030204" pitchFamily="49" charset="0"/>
               </a:rPr>
             </a:br>
             <a:r>
-              <a:rPr lang="en-US" sz="2000" dirty="0">
-                <a:latin typeface="Consolas" panose="020B0609020204030204" pitchFamily="49" charset="0"/>
-                <a:cs typeface="Consolas" panose="020B0609020204030204" pitchFamily="49" charset="0"/>
-              </a:rPr>
-              <a:t>    # </a:t>
-            </a:r>
-            <a:r>
-              <a:rPr lang="en-US" sz="2000" dirty="0" err="1">
-                <a:latin typeface="Consolas" panose="020B0609020204030204" pitchFamily="49" charset="0"/>
-                <a:cs typeface="Consolas" panose="020B0609020204030204" pitchFamily="49" charset="0"/>
-              </a:rPr>
-              <a:t>todo</a:t>
-            </a:r>
-            <a:r>
-              <a:rPr lang="en-US" sz="2000" dirty="0">
-                <a:latin typeface="Consolas" panose="020B0609020204030204" pitchFamily="49" charset="0"/>
-                <a:cs typeface="Consolas" panose="020B0609020204030204" pitchFamily="49" charset="0"/>
-              </a:rPr>
-              <a:t>!</a:t>
-            </a:r>
-            <a:endParaRPr lang="en-US" dirty="0"/>
+              <a:rPr lang="en-US" dirty="0">
+                <a:latin typeface="Consolas" panose="020B0609020204030204" pitchFamily="49" charset="0"/>
+                <a:cs typeface="Consolas" panose="020B0609020204030204" pitchFamily="49" charset="0"/>
+              </a:rPr>
+              <a:t>    </a:t>
+            </a:r>
+            <a:r>
+              <a:rPr lang="en-US" dirty="0">
+                <a:solidFill>
+                  <a:srgbClr val="8888C6"/>
+                </a:solidFill>
+                <a:latin typeface="Consolas" panose="020B0609020204030204" pitchFamily="49" charset="0"/>
+                <a:cs typeface="Consolas" panose="020B0609020204030204" pitchFamily="49" charset="0"/>
+              </a:rPr>
+              <a:t>print</a:t>
+            </a:r>
+            <a:r>
+              <a:rPr lang="en-US" dirty="0">
+                <a:latin typeface="Consolas" panose="020B0609020204030204" pitchFamily="49" charset="0"/>
+                <a:cs typeface="Consolas" panose="020B0609020204030204" pitchFamily="49" charset="0"/>
+              </a:rPr>
+              <a:t>(</a:t>
+            </a:r>
+            <a:r>
+              <a:rPr lang="en-US" dirty="0">
+                <a:solidFill>
+                  <a:srgbClr val="6A8759"/>
+                </a:solidFill>
+                <a:latin typeface="Consolas" panose="020B0609020204030204" pitchFamily="49" charset="0"/>
+                <a:cs typeface="Consolas" panose="020B0609020204030204" pitchFamily="49" charset="0"/>
+              </a:rPr>
+              <a:t>"They  are all good!"</a:t>
+            </a:r>
+            <a:r>
+              <a:rPr lang="en-US" dirty="0">
+                <a:latin typeface="Consolas" panose="020B0609020204030204" pitchFamily="49" charset="0"/>
+                <a:cs typeface="Consolas" panose="020B0609020204030204" pitchFamily="49" charset="0"/>
+              </a:rPr>
+              <a:t>)</a:t>
+            </a:r>
+            <a:br>
+              <a:rPr lang="en-US" dirty="0">
+                <a:latin typeface="Consolas" panose="020B0609020204030204" pitchFamily="49" charset="0"/>
+                <a:cs typeface="Consolas" panose="020B0609020204030204" pitchFamily="49" charset="0"/>
+              </a:rPr>
+            </a:br>
+            <a:r>
+              <a:rPr lang="en-US" dirty="0">
+                <a:solidFill>
+                  <a:srgbClr val="CC7832"/>
+                </a:solidFill>
+                <a:latin typeface="Consolas" panose="020B0609020204030204" pitchFamily="49" charset="0"/>
+                <a:cs typeface="Consolas" panose="020B0609020204030204" pitchFamily="49" charset="0"/>
+              </a:rPr>
+              <a:t>else</a:t>
+            </a:r>
+            <a:r>
+              <a:rPr lang="en-US" dirty="0">
+                <a:latin typeface="Consolas" panose="020B0609020204030204" pitchFamily="49" charset="0"/>
+                <a:cs typeface="Consolas" panose="020B0609020204030204" pitchFamily="49" charset="0"/>
+              </a:rPr>
+              <a:t>:</a:t>
+            </a:r>
+            <a:br>
+              <a:rPr lang="en-US" dirty="0">
+                <a:latin typeface="Consolas" panose="020B0609020204030204" pitchFamily="49" charset="0"/>
+                <a:cs typeface="Consolas" panose="020B0609020204030204" pitchFamily="49" charset="0"/>
+              </a:rPr>
+            </a:br>
+            <a:r>
+              <a:rPr lang="en-US" dirty="0">
+                <a:latin typeface="Consolas" panose="020B0609020204030204" pitchFamily="49" charset="0"/>
+                <a:cs typeface="Consolas" panose="020B0609020204030204" pitchFamily="49" charset="0"/>
+              </a:rPr>
+              <a:t>    </a:t>
+            </a:r>
+            <a:r>
+              <a:rPr lang="en-US" dirty="0">
+                <a:solidFill>
+                  <a:srgbClr val="8888C6"/>
+                </a:solidFill>
+                <a:latin typeface="Consolas" panose="020B0609020204030204" pitchFamily="49" charset="0"/>
+                <a:cs typeface="Consolas" panose="020B0609020204030204" pitchFamily="49" charset="0"/>
+              </a:rPr>
+              <a:t>print</a:t>
+            </a:r>
+            <a:r>
+              <a:rPr lang="en-US" dirty="0">
+                <a:latin typeface="Consolas" panose="020B0609020204030204" pitchFamily="49" charset="0"/>
+                <a:cs typeface="Consolas" panose="020B0609020204030204" pitchFamily="49" charset="0"/>
+              </a:rPr>
+              <a:t>(</a:t>
+            </a:r>
+            <a:r>
+              <a:rPr lang="en-US" dirty="0">
+                <a:solidFill>
+                  <a:srgbClr val="6A8759"/>
+                </a:solidFill>
+                <a:latin typeface="Consolas" panose="020B0609020204030204" pitchFamily="49" charset="0"/>
+                <a:cs typeface="Consolas" panose="020B0609020204030204" pitchFamily="49" charset="0"/>
+              </a:rPr>
+              <a:t>"Did you forget Clara?"</a:t>
+            </a:r>
+            <a:r>
+              <a:rPr lang="en-US" dirty="0">
+                <a:latin typeface="Consolas" panose="020B0609020204030204" pitchFamily="49" charset="0"/>
+                <a:cs typeface="Consolas" panose="020B0609020204030204" pitchFamily="49" charset="0"/>
+              </a:rPr>
+              <a:t>)</a:t>
+            </a:r>
+          </a:p>
+        </p:txBody>
+      </p:sp>
+      <p:sp>
+        <p:nvSpPr>
+          <p:cNvPr id="7" name="Text Placeholder 2">
+            <a:extLst>
+              <a:ext uri="{FF2B5EF4-FFF2-40B4-BE49-F238E27FC236}">
+                <a16:creationId xmlns:a16="http://schemas.microsoft.com/office/drawing/2014/main" id="{3BBA97CC-6678-734A-A88F-928914D6A7AC}"/>
+              </a:ext>
+            </a:extLst>
+          </p:cNvPr>
+          <p:cNvSpPr txBox="1">
+            <a:spLocks/>
+          </p:cNvSpPr>
+          <p:nvPr/>
+        </p:nvSpPr>
+        <p:spPr>
+          <a:xfrm>
+            <a:off x="628072" y="4411206"/>
+            <a:ext cx="12561453" cy="1974900"/>
+          </a:xfrm>
+          <a:prstGeom prst="rect">
+            <a:avLst/>
+          </a:prstGeom>
+        </p:spPr>
+        <p:txBody>
+          <a:bodyPr vert="horz" lIns="91440" tIns="91440" rIns="91440" bIns="91440" rtlCol="0">
+            <a:spAutoFit/>
+          </a:bodyPr>
+          <a:lstStyle>
+            <a:lvl1pPr marL="524712" indent="-524712" algn="l" defTabSz="699614" rtl="0" eaLnBrk="1" latinLnBrk="0" hangingPunct="1">
+              <a:lnSpc>
+                <a:spcPct val="120000"/>
+              </a:lnSpc>
+              <a:spcBef>
+                <a:spcPts val="600"/>
+              </a:spcBef>
+              <a:spcAft>
+                <a:spcPts val="600"/>
+              </a:spcAft>
+              <a:buFont typeface="Arial"/>
+              <a:buChar char="•"/>
+              <a:defRPr sz="1800" b="0" i="0" kern="1200">
+                <a:solidFill>
+                  <a:srgbClr val="092529"/>
+                </a:solidFill>
+                <a:latin typeface="Proxima Nova" charset="0"/>
+                <a:ea typeface="Proxima Nova" charset="0"/>
+                <a:cs typeface="Proxima Nova" charset="0"/>
+              </a:defRPr>
+            </a:lvl1pPr>
+            <a:lvl2pPr marL="1136875" indent="-437261" algn="l" defTabSz="699614" rtl="0" eaLnBrk="1" latinLnBrk="0" hangingPunct="1">
+              <a:lnSpc>
+                <a:spcPct val="120000"/>
+              </a:lnSpc>
+              <a:spcBef>
+                <a:spcPts val="0"/>
+              </a:spcBef>
+              <a:spcAft>
+                <a:spcPts val="600"/>
+              </a:spcAft>
+              <a:buFont typeface="Arial"/>
+              <a:buChar char="–"/>
+              <a:defRPr sz="1600" b="0" i="0" kern="1200">
+                <a:solidFill>
+                  <a:srgbClr val="092529"/>
+                </a:solidFill>
+                <a:latin typeface="Proxima Nova" charset="0"/>
+                <a:ea typeface="Proxima Nova" charset="0"/>
+                <a:cs typeface="Proxima Nova" charset="0"/>
+              </a:defRPr>
+            </a:lvl2pPr>
+            <a:lvl3pPr marL="1749040" indent="-349807" algn="l" defTabSz="699614" rtl="0" eaLnBrk="1" latinLnBrk="0" hangingPunct="1">
+              <a:lnSpc>
+                <a:spcPct val="120000"/>
+              </a:lnSpc>
+              <a:spcBef>
+                <a:spcPts val="0"/>
+              </a:spcBef>
+              <a:spcAft>
+                <a:spcPts val="600"/>
+              </a:spcAft>
+              <a:buFont typeface="Arial"/>
+              <a:buChar char="•"/>
+              <a:defRPr sz="1600" b="0" i="0" kern="1200">
+                <a:solidFill>
+                  <a:srgbClr val="092529"/>
+                </a:solidFill>
+                <a:latin typeface="Proxima Nova" charset="0"/>
+                <a:ea typeface="Proxima Nova" charset="0"/>
+                <a:cs typeface="Proxima Nova" charset="0"/>
+              </a:defRPr>
+            </a:lvl3pPr>
+            <a:lvl4pPr marL="2448655" indent="-349807" algn="l" defTabSz="699614" rtl="0" eaLnBrk="1" latinLnBrk="0" hangingPunct="1">
+              <a:lnSpc>
+                <a:spcPct val="120000"/>
+              </a:lnSpc>
+              <a:spcBef>
+                <a:spcPts val="0"/>
+              </a:spcBef>
+              <a:spcAft>
+                <a:spcPts val="600"/>
+              </a:spcAft>
+              <a:buFont typeface="Arial"/>
+              <a:buChar char="–"/>
+              <a:defRPr sz="1600" b="0" i="0" kern="1200">
+                <a:solidFill>
+                  <a:srgbClr val="092529"/>
+                </a:solidFill>
+                <a:latin typeface="Proxima Nova" charset="0"/>
+                <a:ea typeface="Proxima Nova" charset="0"/>
+                <a:cs typeface="Proxima Nova" charset="0"/>
+              </a:defRPr>
+            </a:lvl4pPr>
+            <a:lvl5pPr marL="3148272" indent="-349807" algn="l" defTabSz="699614" rtl="0" eaLnBrk="1" latinLnBrk="0" hangingPunct="1">
+              <a:spcBef>
+                <a:spcPct val="20000"/>
+              </a:spcBef>
+              <a:buFont typeface="Arial"/>
+              <a:buChar char="»"/>
+              <a:defRPr sz="1648" b="0" kern="1200">
+                <a:solidFill>
+                  <a:srgbClr val="092529"/>
+                </a:solidFill>
+                <a:latin typeface="Franklin Gothic Book" charset="0"/>
+                <a:ea typeface="Franklin Gothic Book" charset="0"/>
+                <a:cs typeface="Franklin Gothic Book" charset="0"/>
+              </a:defRPr>
+            </a:lvl5pPr>
+            <a:lvl6pPr marL="3847888" indent="-349807" algn="l" defTabSz="699614" rtl="0" eaLnBrk="1" latinLnBrk="0" hangingPunct="1">
+              <a:spcBef>
+                <a:spcPct val="20000"/>
+              </a:spcBef>
+              <a:buFont typeface="Arial"/>
+              <a:buChar char="•"/>
+              <a:defRPr sz="3022" kern="1200">
+                <a:solidFill>
+                  <a:schemeClr val="tx1"/>
+                </a:solidFill>
+                <a:latin typeface="+mn-lt"/>
+                <a:ea typeface="+mn-ea"/>
+                <a:cs typeface="+mn-cs"/>
+              </a:defRPr>
+            </a:lvl6pPr>
+            <a:lvl7pPr marL="4547505" indent="-349807" algn="l" defTabSz="699614" rtl="0" eaLnBrk="1" latinLnBrk="0" hangingPunct="1">
+              <a:spcBef>
+                <a:spcPct val="20000"/>
+              </a:spcBef>
+              <a:buFont typeface="Arial"/>
+              <a:buChar char="•"/>
+              <a:defRPr sz="3022" kern="1200">
+                <a:solidFill>
+                  <a:schemeClr val="tx1"/>
+                </a:solidFill>
+                <a:latin typeface="+mn-lt"/>
+                <a:ea typeface="+mn-ea"/>
+                <a:cs typeface="+mn-cs"/>
+              </a:defRPr>
+            </a:lvl7pPr>
+            <a:lvl8pPr marL="5247119" indent="-349807" algn="l" defTabSz="699614" rtl="0" eaLnBrk="1" latinLnBrk="0" hangingPunct="1">
+              <a:spcBef>
+                <a:spcPct val="20000"/>
+              </a:spcBef>
+              <a:buFont typeface="Arial"/>
+              <a:buChar char="•"/>
+              <a:defRPr sz="3022" kern="1200">
+                <a:solidFill>
+                  <a:schemeClr val="tx1"/>
+                </a:solidFill>
+                <a:latin typeface="+mn-lt"/>
+                <a:ea typeface="+mn-ea"/>
+                <a:cs typeface="+mn-cs"/>
+              </a:defRPr>
+            </a:lvl8pPr>
+            <a:lvl9pPr marL="5946736" indent="-349807" algn="l" defTabSz="699614" rtl="0" eaLnBrk="1" latinLnBrk="0" hangingPunct="1">
+              <a:spcBef>
+                <a:spcPct val="20000"/>
+              </a:spcBef>
+              <a:buFont typeface="Arial"/>
+              <a:buChar char="•"/>
+              <a:defRPr sz="3022" kern="1200">
+                <a:solidFill>
+                  <a:schemeClr val="tx1"/>
+                </a:solidFill>
+                <a:latin typeface="+mn-lt"/>
+                <a:ea typeface="+mn-ea"/>
+                <a:cs typeface="+mn-cs"/>
+              </a:defRPr>
+            </a:lvl9pPr>
+          </a:lstStyle>
+          <a:p>
+            <a:r>
+              <a:rPr lang="en-US" dirty="0"/>
+              <a:t>Enter: Amy, and Bob </a:t>
+            </a:r>
+          </a:p>
+          <a:p>
+            <a:pPr lvl="1"/>
+            <a:r>
+              <a:rPr lang="en-US" dirty="0"/>
+              <a:t>Evaluates as True</a:t>
+            </a:r>
+          </a:p>
+          <a:p>
+            <a:pPr lvl="1"/>
+            <a:r>
+              <a:rPr lang="en-US" b="1" dirty="0"/>
+              <a:t>and</a:t>
+            </a:r>
+            <a:r>
+              <a:rPr lang="en-US" dirty="0"/>
+              <a:t> is evaluated first, so just Amy is all that is needed</a:t>
+            </a:r>
+          </a:p>
+          <a:p>
+            <a:pPr lvl="1"/>
+            <a:r>
+              <a:rPr lang="en-US" dirty="0"/>
+              <a:t>Is this what we want?</a:t>
+            </a:r>
+          </a:p>
+          <a:p>
+            <a:pPr lvl="1"/>
+            <a:r>
+              <a:rPr lang="en-US" dirty="0"/>
+              <a:t>How do we fix it?</a:t>
+            </a:r>
           </a:p>
         </p:txBody>
       </p:sp>
     </p:spTree>
     <p:extLst>
       <p:ext uri="{BB962C8B-B14F-4D97-AF65-F5344CB8AC3E}">
-        <p14:creationId xmlns:p14="http://schemas.microsoft.com/office/powerpoint/2010/main" val="2669702396"/>
+        <p14:creationId xmlns:p14="http://schemas.microsoft.com/office/powerpoint/2010/main" val="3214192831"/>
       </p:ext>
     </p:extLst>
   </p:cSld>
@@ -10556,13 +10997,13 @@
   <p:clrMapOvr>
     <a:masterClrMapping/>
   </p:clrMapOvr>
-  <mc:AlternateContent xmlns:mc="http://schemas.openxmlformats.org/markup-compatibility/2006">
-    <mc:Choice xmlns:p14="http://schemas.microsoft.com/office/powerpoint/2010/main" Requires="p14">
+  <mc:AlternateContent xmlns:mc="http://schemas.openxmlformats.org/markup-compatibility/2006" xmlns:p14="http://schemas.microsoft.com/office/powerpoint/2010/main">
+    <mc:Choice Requires="p14">
       <p:transition p14:dur="300">
         <p:fade/>
       </p:transition>
     </mc:Choice>
-    <mc:Fallback>
+    <mc:Fallback xmlns="">
       <p:transition>
         <p:fade/>
       </p:transition>
@@ -10590,10 +11031,10 @@
       </p:grpSpPr>
       <p:sp>
         <p:nvSpPr>
-          <p:cNvPr id="2" name="Title 1">
+          <p:cNvPr id="4" name="Title 3">
             <a:extLst>
               <a:ext uri="{FF2B5EF4-FFF2-40B4-BE49-F238E27FC236}">
-                <a16:creationId xmlns:a16="http://schemas.microsoft.com/office/drawing/2014/main" id="{57203330-C459-044B-B710-7430DED2D529}"/>
+                <a16:creationId xmlns:a16="http://schemas.microsoft.com/office/drawing/2014/main" id="{4EB85848-D40E-C644-8BBD-356CFF5598D6}"/>
               </a:ext>
             </a:extLst>
           </p:cNvPr>
@@ -10611,49 +11052,356 @@
           <a:p>
             <a:r>
               <a:rPr lang="en-US" dirty="0"/>
-              <a:t>Announcements</a:t>
+              <a:t>Announcements </a:t>
             </a:r>
           </a:p>
         </p:txBody>
       </p:sp>
       <p:sp>
         <p:nvSpPr>
-          <p:cNvPr id="3" name="Text Placeholder 2">
+          <p:cNvPr id="10" name="TextBox 9">
             <a:extLst>
               <a:ext uri="{FF2B5EF4-FFF2-40B4-BE49-F238E27FC236}">
-                <a16:creationId xmlns:a16="http://schemas.microsoft.com/office/drawing/2014/main" id="{F73F2E0B-C084-AD4E-850B-32993513E3B9}"/>
+                <a16:creationId xmlns:a16="http://schemas.microsoft.com/office/drawing/2014/main" id="{04687C0F-3162-FD47-BF00-761D96A9475E}"/>
               </a:ext>
             </a:extLst>
           </p:cNvPr>
-          <p:cNvSpPr>
-            <a:spLocks noGrp="1"/>
+          <p:cNvSpPr txBox="1"/>
+          <p:nvPr/>
+        </p:nvSpPr>
+        <p:spPr>
+          <a:xfrm>
+            <a:off x="9991725" y="442403"/>
+            <a:ext cx="3690917" cy="1323439"/>
+          </a:xfrm>
+          <a:prstGeom prst="rect">
+            <a:avLst/>
+          </a:prstGeom>
+          <a:solidFill>
+            <a:schemeClr val="accent2"/>
+          </a:solidFill>
+        </p:spPr>
+        <p:txBody>
+          <a:bodyPr wrap="square" rtlCol="0">
+            <a:spAutoFit/>
+          </a:bodyPr>
+          <a:lstStyle/>
+          <a:p>
+            <a:r>
+              <a:rPr lang="en-US" b="1" dirty="0"/>
+              <a:t>Opening Question</a:t>
+            </a:r>
+          </a:p>
+          <a:p>
+            <a:r>
+              <a:rPr lang="en-US" dirty="0"/>
+              <a:t>What does your favorite application assume about the audience?</a:t>
+            </a:r>
+          </a:p>
+        </p:txBody>
+      </p:sp>
+      <p:sp>
+        <p:nvSpPr>
+          <p:cNvPr id="8" name="Text Placeholder 4">
+            <a:extLst>
+              <a:ext uri="{FF2B5EF4-FFF2-40B4-BE49-F238E27FC236}">
+                <a16:creationId xmlns:a16="http://schemas.microsoft.com/office/drawing/2014/main" id="{85ED3DE7-849C-6A4D-8F0B-681286F91A4C}"/>
+              </a:ext>
+            </a:extLst>
+          </p:cNvPr>
+          <p:cNvSpPr txBox="1">
+            <a:spLocks/>
           </p:cNvSpPr>
-          <p:nvPr>
-            <p:ph type="body" idx="1"/>
-          </p:nvPr>
+          <p:nvPr/>
         </p:nvSpPr>
-        <p:spPr/>
+        <p:spPr>
+          <a:xfrm>
+            <a:off x="431800" y="1765842"/>
+            <a:ext cx="7531100" cy="5400517"/>
+          </a:xfrm>
+          <a:prstGeom prst="rect">
+            <a:avLst/>
+          </a:prstGeom>
+        </p:spPr>
         <p:txBody>
-          <a:bodyPr/>
-          <a:lstStyle/>
-          <a:p>
-            <a:endParaRPr lang="en-US"/>
+          <a:bodyPr vert="horz" wrap="square" lIns="91440" tIns="91440" rIns="91440" bIns="91440" rtlCol="0">
+            <a:spAutoFit/>
+          </a:bodyPr>
+          <a:lstStyle>
+            <a:lvl1pPr marL="524712" indent="-524712" algn="l" defTabSz="699614" rtl="0" eaLnBrk="1" latinLnBrk="0" hangingPunct="1">
+              <a:lnSpc>
+                <a:spcPct val="120000"/>
+              </a:lnSpc>
+              <a:spcBef>
+                <a:spcPts val="600"/>
+              </a:spcBef>
+              <a:spcAft>
+                <a:spcPts val="600"/>
+              </a:spcAft>
+              <a:buFont typeface="Arial"/>
+              <a:buChar char="•"/>
+              <a:defRPr sz="1800" b="0" i="0" kern="1200">
+                <a:solidFill>
+                  <a:srgbClr val="092529"/>
+                </a:solidFill>
+                <a:latin typeface="Proxima Nova" charset="0"/>
+                <a:ea typeface="Proxima Nova" charset="0"/>
+                <a:cs typeface="Proxima Nova" charset="0"/>
+              </a:defRPr>
+            </a:lvl1pPr>
+            <a:lvl2pPr marL="1136875" indent="-437261" algn="l" defTabSz="699614" rtl="0" eaLnBrk="1" latinLnBrk="0" hangingPunct="1">
+              <a:lnSpc>
+                <a:spcPct val="120000"/>
+              </a:lnSpc>
+              <a:spcBef>
+                <a:spcPts val="0"/>
+              </a:spcBef>
+              <a:spcAft>
+                <a:spcPts val="600"/>
+              </a:spcAft>
+              <a:buFont typeface="Arial"/>
+              <a:buChar char="–"/>
+              <a:defRPr sz="1600" b="0" i="0" kern="1200">
+                <a:solidFill>
+                  <a:srgbClr val="092529"/>
+                </a:solidFill>
+                <a:latin typeface="Proxima Nova" charset="0"/>
+                <a:ea typeface="Proxima Nova" charset="0"/>
+                <a:cs typeface="Proxima Nova" charset="0"/>
+              </a:defRPr>
+            </a:lvl2pPr>
+            <a:lvl3pPr marL="1749040" indent="-349807" algn="l" defTabSz="699614" rtl="0" eaLnBrk="1" latinLnBrk="0" hangingPunct="1">
+              <a:lnSpc>
+                <a:spcPct val="120000"/>
+              </a:lnSpc>
+              <a:spcBef>
+                <a:spcPts val="0"/>
+              </a:spcBef>
+              <a:spcAft>
+                <a:spcPts val="600"/>
+              </a:spcAft>
+              <a:buFont typeface="Arial"/>
+              <a:buChar char="•"/>
+              <a:defRPr sz="1600" b="0" i="0" kern="1200">
+                <a:solidFill>
+                  <a:srgbClr val="092529"/>
+                </a:solidFill>
+                <a:latin typeface="Proxima Nova" charset="0"/>
+                <a:ea typeface="Proxima Nova" charset="0"/>
+                <a:cs typeface="Proxima Nova" charset="0"/>
+              </a:defRPr>
+            </a:lvl3pPr>
+            <a:lvl4pPr marL="2448655" indent="-349807" algn="l" defTabSz="699614" rtl="0" eaLnBrk="1" latinLnBrk="0" hangingPunct="1">
+              <a:lnSpc>
+                <a:spcPct val="120000"/>
+              </a:lnSpc>
+              <a:spcBef>
+                <a:spcPts val="0"/>
+              </a:spcBef>
+              <a:spcAft>
+                <a:spcPts val="600"/>
+              </a:spcAft>
+              <a:buFont typeface="Arial"/>
+              <a:buChar char="–"/>
+              <a:defRPr sz="1600" b="0" i="0" kern="1200">
+                <a:solidFill>
+                  <a:srgbClr val="092529"/>
+                </a:solidFill>
+                <a:latin typeface="Proxima Nova" charset="0"/>
+                <a:ea typeface="Proxima Nova" charset="0"/>
+                <a:cs typeface="Proxima Nova" charset="0"/>
+              </a:defRPr>
+            </a:lvl4pPr>
+            <a:lvl5pPr marL="3148272" indent="-349807" algn="l" defTabSz="699614" rtl="0" eaLnBrk="1" latinLnBrk="0" hangingPunct="1">
+              <a:spcBef>
+                <a:spcPct val="20000"/>
+              </a:spcBef>
+              <a:buFont typeface="Arial"/>
+              <a:buChar char="»"/>
+              <a:defRPr sz="1648" b="0" kern="1200">
+                <a:solidFill>
+                  <a:srgbClr val="092529"/>
+                </a:solidFill>
+                <a:latin typeface="Franklin Gothic Book" charset="0"/>
+                <a:ea typeface="Franklin Gothic Book" charset="0"/>
+                <a:cs typeface="Franklin Gothic Book" charset="0"/>
+              </a:defRPr>
+            </a:lvl5pPr>
+            <a:lvl6pPr marL="3847888" indent="-349807" algn="l" defTabSz="699614" rtl="0" eaLnBrk="1" latinLnBrk="0" hangingPunct="1">
+              <a:spcBef>
+                <a:spcPct val="20000"/>
+              </a:spcBef>
+              <a:buFont typeface="Arial"/>
+              <a:buChar char="•"/>
+              <a:defRPr sz="3022" kern="1200">
+                <a:solidFill>
+                  <a:schemeClr val="tx1"/>
+                </a:solidFill>
+                <a:latin typeface="+mn-lt"/>
+                <a:ea typeface="+mn-ea"/>
+                <a:cs typeface="+mn-cs"/>
+              </a:defRPr>
+            </a:lvl6pPr>
+            <a:lvl7pPr marL="4547505" indent="-349807" algn="l" defTabSz="699614" rtl="0" eaLnBrk="1" latinLnBrk="0" hangingPunct="1">
+              <a:spcBef>
+                <a:spcPct val="20000"/>
+              </a:spcBef>
+              <a:buFont typeface="Arial"/>
+              <a:buChar char="•"/>
+              <a:defRPr sz="3022" kern="1200">
+                <a:solidFill>
+                  <a:schemeClr val="tx1"/>
+                </a:solidFill>
+                <a:latin typeface="+mn-lt"/>
+                <a:ea typeface="+mn-ea"/>
+                <a:cs typeface="+mn-cs"/>
+              </a:defRPr>
+            </a:lvl7pPr>
+            <a:lvl8pPr marL="5247119" indent="-349807" algn="l" defTabSz="699614" rtl="0" eaLnBrk="1" latinLnBrk="0" hangingPunct="1">
+              <a:spcBef>
+                <a:spcPct val="20000"/>
+              </a:spcBef>
+              <a:buFont typeface="Arial"/>
+              <a:buChar char="•"/>
+              <a:defRPr sz="3022" kern="1200">
+                <a:solidFill>
+                  <a:schemeClr val="tx1"/>
+                </a:solidFill>
+                <a:latin typeface="+mn-lt"/>
+                <a:ea typeface="+mn-ea"/>
+                <a:cs typeface="+mn-cs"/>
+              </a:defRPr>
+            </a:lvl8pPr>
+            <a:lvl9pPr marL="5946736" indent="-349807" algn="l" defTabSz="699614" rtl="0" eaLnBrk="1" latinLnBrk="0" hangingPunct="1">
+              <a:spcBef>
+                <a:spcPct val="20000"/>
+              </a:spcBef>
+              <a:buFont typeface="Arial"/>
+              <a:buChar char="•"/>
+              <a:defRPr sz="3022" kern="1200">
+                <a:solidFill>
+                  <a:schemeClr val="tx1"/>
+                </a:solidFill>
+                <a:latin typeface="+mn-lt"/>
+                <a:ea typeface="+mn-ea"/>
+                <a:cs typeface="+mn-cs"/>
+              </a:defRPr>
+            </a:lvl9pPr>
+          </a:lstStyle>
+          <a:p>
+            <a:r>
+              <a:rPr lang="en-US" dirty="0"/>
+              <a:t>Labs – back to two this week</a:t>
+            </a:r>
+          </a:p>
+          <a:p>
+            <a:pPr lvl="1"/>
+            <a:r>
+              <a:rPr lang="en-US" dirty="0"/>
+              <a:t>Takes more time to look through them!</a:t>
+            </a:r>
+          </a:p>
+          <a:p>
+            <a:pPr lvl="1"/>
+            <a:r>
+              <a:rPr lang="en-US" dirty="0"/>
+              <a:t>Try to plan them out – before – you write them!</a:t>
+            </a:r>
+          </a:p>
+          <a:p>
+            <a:r>
+              <a:rPr lang="en-US" dirty="0"/>
+              <a:t>Tips for being successful in this course</a:t>
+            </a:r>
+          </a:p>
+          <a:p>
+            <a:pPr lvl="1"/>
+            <a:r>
+              <a:rPr lang="en-US" dirty="0"/>
+              <a:t>Do the readings (just participation) before *every* lecture</a:t>
+            </a:r>
+          </a:p>
+          <a:p>
+            <a:pPr lvl="1"/>
+            <a:r>
+              <a:rPr lang="en-US" dirty="0"/>
+              <a:t>Look at the labs / even try it, the night before lab!</a:t>
+            </a:r>
+          </a:p>
+          <a:p>
+            <a:pPr lvl="2"/>
+            <a:r>
+              <a:rPr lang="en-US" dirty="0"/>
+              <a:t>Helps to know what questions to ask</a:t>
+            </a:r>
+          </a:p>
+          <a:p>
+            <a:pPr lvl="2"/>
+            <a:r>
+              <a:rPr lang="en-US" dirty="0"/>
+              <a:t>Plan out what you want to do before you write it</a:t>
+            </a:r>
+          </a:p>
+          <a:p>
+            <a:pPr lvl="1"/>
+            <a:r>
+              <a:rPr lang="en-US" dirty="0"/>
+              <a:t>3-4 nights a week – Knowledge Check (go back!)</a:t>
+            </a:r>
+          </a:p>
+          <a:p>
+            <a:pPr lvl="2"/>
+            <a:r>
+              <a:rPr lang="en-US" dirty="0"/>
+              <a:t>Practiced recall, spaced over time is the best way to study, no matter the field!</a:t>
+            </a:r>
+          </a:p>
+          <a:p>
+            <a:pPr lvl="2"/>
+            <a:r>
+              <a:rPr lang="en-US" dirty="0"/>
+              <a:t>Provide example code while learning how to work on it</a:t>
+            </a:r>
+          </a:p>
+          <a:p>
+            <a:pPr lvl="2"/>
+            <a:r>
+              <a:rPr lang="en-US" dirty="0"/>
+              <a:t>Spend no more than 20 minutes on this – ask for help in </a:t>
+            </a:r>
+            <a:r>
+              <a:rPr lang="en-US" b="1" dirty="0"/>
+              <a:t>general</a:t>
+            </a:r>
+            <a:r>
+              <a:rPr lang="en-US" dirty="0"/>
+              <a:t> if stuck!  (post the knowledge check and ask)</a:t>
+            </a:r>
           </a:p>
         </p:txBody>
       </p:sp>
     </p:spTree>
     <p:extLst>
       <p:ext uri="{BB962C8B-B14F-4D97-AF65-F5344CB8AC3E}">
-        <p14:creationId xmlns:p14="http://schemas.microsoft.com/office/powerpoint/2010/main" val="1104697519"/>
+        <p14:creationId xmlns:p14="http://schemas.microsoft.com/office/powerpoint/2010/main" val="3989986971"/>
       </p:ext>
     </p:extLst>
   </p:cSld>
   <p:clrMapOvr>
     <a:masterClrMapping/>
   </p:clrMapOvr>
-  <p:transition>
-    <p:fade/>
-  </p:transition>
+  <mc:AlternateContent xmlns:mc="http://schemas.openxmlformats.org/markup-compatibility/2006" xmlns:p14="http://schemas.microsoft.com/office/powerpoint/2010/main">
+    <mc:Choice Requires="p14">
+      <p:transition p14:dur="300">
+        <p:fade/>
+      </p:transition>
+    </mc:Choice>
+    <mc:Fallback xmlns="">
+      <p:transition>
+        <p:fade/>
+      </p:transition>
+    </mc:Fallback>
+  </mc:AlternateContent>
 </p:sld>
 </file>
 
@@ -12079,15 +12827,15 @@
               <a:buChar char="●"/>
             </a:pPr>
             <a:r>
-              <a:rPr lang="en"/>
+              <a:rPr lang="en" dirty="0"/>
               <a:t>We </a:t>
             </a:r>
             <a:r>
-              <a:rPr lang="en" b="1"/>
+              <a:rPr lang="en" b="1" dirty="0"/>
               <a:t>all</a:t>
             </a:r>
             <a:r>
-              <a:rPr lang="en"/>
+              <a:rPr lang="en" dirty="0"/>
               <a:t> have it</a:t>
             </a:r>
             <a:endParaRPr dirty="0"/>
@@ -12100,7 +12848,7 @@
               <a:buChar char="●"/>
             </a:pPr>
             <a:r>
-              <a:rPr lang="en"/>
+              <a:rPr lang="en" dirty="0"/>
               <a:t>Psychology</a:t>
             </a:r>
             <a:endParaRPr dirty="0"/>
@@ -12113,7 +12861,7 @@
               <a:buChar char="○"/>
             </a:pPr>
             <a:r>
-              <a:rPr lang="en"/>
+              <a:rPr lang="en" dirty="0"/>
               <a:t>Sees lion eat friend, forms opinion on brain that hairy things with sharp pointing things are bad</a:t>
             </a:r>
             <a:endParaRPr dirty="0"/>
@@ -12126,7 +12874,7 @@
               <a:buChar char="●"/>
             </a:pPr>
             <a:r>
-              <a:rPr lang="en"/>
+              <a:rPr lang="en" dirty="0"/>
               <a:t>This is brain using ‘pattern matching’ and learning association</a:t>
             </a:r>
             <a:endParaRPr dirty="0"/>
@@ -12142,7 +12890,7 @@
               <a:buChar char="●"/>
             </a:pPr>
             <a:r>
-              <a:rPr lang="en"/>
+              <a:rPr lang="en" dirty="0"/>
               <a:t>What makes it bad?</a:t>
             </a:r>
             <a:endParaRPr dirty="0"/>
@@ -12155,15 +12903,15 @@
               <a:buChar char="○"/>
             </a:pPr>
             <a:r>
-              <a:rPr lang="en"/>
+              <a:rPr lang="en" dirty="0"/>
               <a:t>When we </a:t>
             </a:r>
             <a:r>
-              <a:rPr lang="en" u="sng"/>
+              <a:rPr lang="en" u="sng" dirty="0"/>
               <a:t>unconsciously</a:t>
             </a:r>
             <a:r>
-              <a:rPr lang="en"/>
+              <a:rPr lang="en" dirty="0"/>
               <a:t> do it</a:t>
             </a:r>
             <a:endParaRPr dirty="0"/>
@@ -12176,7 +12924,7 @@
               <a:buChar char="○"/>
             </a:pPr>
             <a:r>
-              <a:rPr lang="en"/>
+              <a:rPr lang="en" dirty="0"/>
               <a:t>When we don’t self-reflect and see we are doing it</a:t>
             </a:r>
             <a:endParaRPr dirty="0"/>
@@ -12189,7 +12937,7 @@
               <a:buChar char="○"/>
             </a:pPr>
             <a:r>
-              <a:rPr lang="en"/>
+              <a:rPr lang="en" dirty="0"/>
               <a:t>When we let it affect our decisions</a:t>
             </a:r>
             <a:endParaRPr dirty="0"/>
@@ -12202,7 +12950,7 @@
               <a:buChar char="■"/>
             </a:pPr>
             <a:r>
-              <a:rPr lang="en"/>
+              <a:rPr lang="en" dirty="0"/>
               <a:t>Especially towards people and products</a:t>
             </a:r>
             <a:endParaRPr dirty="0"/>
@@ -12215,7 +12963,7 @@
               <a:buChar char="○"/>
             </a:pPr>
             <a:r>
-              <a:rPr lang="en"/>
+              <a:rPr lang="en" dirty="0"/>
               <a:t>The most common one?</a:t>
             </a:r>
             <a:endParaRPr dirty="0"/>
@@ -12228,8 +12976,8 @@
               <a:buChar char="■"/>
             </a:pPr>
             <a:r>
-              <a:rPr lang="en"/>
-              <a:t>Not race, gender or social-economic background</a:t>
+              <a:rPr lang="en" dirty="0"/>
+              <a:t>Not race, gender, or social-economic background</a:t>
             </a:r>
             <a:endParaRPr dirty="0"/>
           </a:p>
@@ -12241,7 +12989,7 @@
               <a:buChar char="■"/>
             </a:pPr>
             <a:r>
-              <a:rPr lang="en"/>
+              <a:rPr lang="en" dirty="0"/>
               <a:t>The most common is for individuals who need special services (hearing or vision impaired, etc)</a:t>
             </a:r>
             <a:endParaRPr dirty="0"/>
@@ -12261,7 +13009,7 @@
   <p:cSld>
     <p:spTree>
       <p:nvGrpSpPr>
-        <p:cNvPr id="1" name="Shape 225"/>
+        <p:cNvPr id="1" name=""/>
         <p:cNvGrpSpPr/>
         <p:nvPr/>
       </p:nvGrpSpPr>
@@ -12275,377 +13023,79 @@
       </p:grpSpPr>
       <p:sp>
         <p:nvSpPr>
-          <p:cNvPr id="226" name="Google Shape;226;p43"/>
-          <p:cNvSpPr txBox="1">
+          <p:cNvPr id="4" name="Title 3">
+            <a:extLst>
+              <a:ext uri="{FF2B5EF4-FFF2-40B4-BE49-F238E27FC236}">
+                <a16:creationId xmlns:a16="http://schemas.microsoft.com/office/drawing/2014/main" id="{09E3787B-F05F-46D5-BB8C-2375B689D0DC}"/>
+              </a:ext>
+            </a:extLst>
+          </p:cNvPr>
+          <p:cNvSpPr>
             <a:spLocks noGrp="1"/>
           </p:cNvSpPr>
           <p:nvPr>
             <p:ph type="title"/>
           </p:nvPr>
         </p:nvSpPr>
-        <p:spPr>
-          <a:xfrm>
-            <a:off x="628075" y="751389"/>
-            <a:ext cx="12561413" cy="1015467"/>
-          </a:xfrm>
-          <a:prstGeom prst="rect">
-            <a:avLst/>
-          </a:prstGeom>
-        </p:spPr>
+        <p:spPr/>
         <p:txBody>
-          <a:bodyPr spcFirstLastPara="1" vert="horz" wrap="square" lIns="91422" tIns="91422" rIns="91422" bIns="91422" rtlCol="0" anchor="b" anchorCtr="0">
-            <a:noAutofit/>
-          </a:bodyPr>
+          <a:bodyPr/>
           <a:lstStyle/>
           <a:p>
             <a:r>
-              <a:rPr lang="en"/>
-              <a:t>Enter Inclusive Design</a:t>
-            </a:r>
-            <a:endParaRPr dirty="0"/>
+              <a:rPr lang="en-US" dirty="0"/>
+              <a:t>More Complex Logic</a:t>
+            </a:r>
           </a:p>
         </p:txBody>
       </p:sp>
       <p:sp>
         <p:nvSpPr>
-          <p:cNvPr id="227" name="Google Shape;227;p43"/>
-          <p:cNvSpPr txBox="1">
+          <p:cNvPr id="5" name="Text Placeholder 4">
+            <a:extLst>
+              <a:ext uri="{FF2B5EF4-FFF2-40B4-BE49-F238E27FC236}">
+                <a16:creationId xmlns:a16="http://schemas.microsoft.com/office/drawing/2014/main" id="{366CB367-73E5-4E2C-B405-3BAC0949876E}"/>
+              </a:ext>
+            </a:extLst>
+          </p:cNvPr>
+          <p:cNvSpPr>
             <a:spLocks noGrp="1"/>
           </p:cNvSpPr>
           <p:nvPr>
-            <p:ph type="body" idx="1"/>
+            <p:ph type="body" sz="quarter" idx="10"/>
           </p:nvPr>
         </p:nvSpPr>
-        <p:spPr>
-          <a:xfrm>
-            <a:off x="628093" y="1920736"/>
-            <a:ext cx="6998560" cy="5146240"/>
-          </a:xfrm>
-          <a:prstGeom prst="rect">
-            <a:avLst/>
-          </a:prstGeom>
-        </p:spPr>
+        <p:spPr/>
         <p:txBody>
-          <a:bodyPr spcFirstLastPara="1" vert="horz" wrap="square" lIns="91422" tIns="91422" rIns="91422" bIns="91422" rtlCol="0" anchor="t" anchorCtr="0">
-            <a:noAutofit/>
-          </a:bodyPr>
+          <a:bodyPr/>
           <a:lstStyle/>
           <a:p>
-            <a:pPr marL="0" indent="0">
-              <a:buNone/>
-            </a:pPr>
-            <a:r>
-              <a:rPr lang="en"/>
-              <a:t>Microsoft Inclusive Design Principles:</a:t>
-            </a:r>
-            <a:endParaRPr dirty="0"/>
-          </a:p>
-          <a:p>
-            <a:pPr>
-              <a:buChar char="●"/>
-            </a:pPr>
-            <a:r>
-              <a:rPr lang="en"/>
-              <a:t>Recognize exclusion</a:t>
-            </a:r>
-            <a:endParaRPr dirty="0"/>
-          </a:p>
-          <a:p>
-            <a:pPr>
-              <a:spcBef>
-                <a:spcPts val="0"/>
-              </a:spcBef>
-              <a:buChar char="●"/>
-            </a:pPr>
-            <a:r>
-              <a:rPr lang="en"/>
-              <a:t>Solve for one, extend to many</a:t>
-            </a:r>
-            <a:endParaRPr dirty="0"/>
-          </a:p>
-          <a:p>
-            <a:pPr>
-              <a:spcBef>
-                <a:spcPts val="0"/>
-              </a:spcBef>
-              <a:buChar char="●"/>
-            </a:pPr>
-            <a:r>
-              <a:rPr lang="en"/>
-              <a:t>Learn from diversity</a:t>
-            </a:r>
-            <a:endParaRPr dirty="0"/>
-          </a:p>
-          <a:p>
-            <a:pPr marL="0" indent="0">
-              <a:buNone/>
-            </a:pPr>
-            <a:endParaRPr dirty="0"/>
-          </a:p>
-          <a:p>
-            <a:pPr marL="0" indent="0">
-              <a:buNone/>
-            </a:pPr>
-            <a:r>
-              <a:rPr lang="en"/>
-              <a:t>Continuum of population diversity pyramid </a:t>
-            </a:r>
-            <a:endParaRPr dirty="0"/>
-          </a:p>
-          <a:p>
-            <a:pPr>
-              <a:buChar char="●"/>
-            </a:pPr>
-            <a:r>
-              <a:rPr lang="en"/>
-              <a:t>Notice, only 21% of people have ‘no-difficulties’ </a:t>
-            </a:r>
-            <a:endParaRPr dirty="0"/>
-          </a:p>
-          <a:p>
-            <a:pPr>
-              <a:spcBef>
-                <a:spcPts val="0"/>
-              </a:spcBef>
-              <a:buChar char="●"/>
-            </a:pPr>
-            <a:r>
-              <a:rPr lang="en"/>
-              <a:t>Difficulties are on a spectrum of:</a:t>
-            </a:r>
-            <a:endParaRPr dirty="0"/>
-          </a:p>
-          <a:p>
-            <a:pPr lvl="1">
-              <a:spcBef>
-                <a:spcPts val="0"/>
-              </a:spcBef>
-              <a:buChar char="○"/>
-            </a:pPr>
-            <a:r>
-              <a:rPr lang="en"/>
-              <a:t>Permanent </a:t>
-            </a:r>
-            <a:endParaRPr dirty="0"/>
-          </a:p>
-          <a:p>
-            <a:pPr lvl="1">
-              <a:spcBef>
-                <a:spcPts val="0"/>
-              </a:spcBef>
-              <a:buChar char="○"/>
-            </a:pPr>
-            <a:r>
-              <a:rPr lang="en"/>
-              <a:t>Temporary </a:t>
-            </a:r>
-            <a:endParaRPr dirty="0"/>
-          </a:p>
-          <a:p>
-            <a:pPr lvl="1">
-              <a:spcBef>
-                <a:spcPts val="0"/>
-              </a:spcBef>
-              <a:buChar char="○"/>
-            </a:pPr>
-            <a:r>
-              <a:rPr lang="en"/>
-              <a:t>Situational</a:t>
-            </a:r>
-            <a:endParaRPr dirty="0"/>
-          </a:p>
-          <a:p>
-            <a:pPr marL="0" indent="0">
-              <a:buNone/>
-            </a:pPr>
-            <a:r>
-              <a:rPr lang="en"/>
-              <a:t>Modern Design and Software Engineering</a:t>
-            </a:r>
-            <a:endParaRPr dirty="0"/>
-          </a:p>
-          <a:p>
-            <a:pPr>
-              <a:buChar char="●"/>
-            </a:pPr>
-            <a:r>
-              <a:rPr lang="en"/>
-              <a:t>Must take into account the full audience </a:t>
-            </a:r>
-            <a:endParaRPr dirty="0"/>
-          </a:p>
-          <a:p>
-            <a:pPr>
-              <a:spcBef>
-                <a:spcPts val="0"/>
-              </a:spcBef>
-              <a:buChar char="●"/>
-            </a:pPr>
-            <a:r>
-              <a:rPr lang="en"/>
-              <a:t>Must take into account the </a:t>
-            </a:r>
-            <a:r>
-              <a:rPr lang="en" b="1"/>
-              <a:t>interconnectedness</a:t>
-            </a:r>
-            <a:r>
-              <a:rPr lang="en"/>
-              <a:t> of society</a:t>
-            </a:r>
-            <a:endParaRPr dirty="0"/>
-          </a:p>
-        </p:txBody>
-      </p:sp>
-      <p:pic>
-        <p:nvPicPr>
-          <p:cNvPr id="228" name="Google Shape;228;p43" descr="Pyramid diagram. Beginning with 21% no difficulties on the bottom, then 16% minimal difficulties, 37% mild difficulties, 25% severe difficulties. At the top of the pyramid is the target for specialist products. "/>
-          <p:cNvPicPr preferRelativeResize="0"/>
-          <p:nvPr/>
-        </p:nvPicPr>
-        <p:blipFill>
-          <a:blip r:embed="rId3">
-            <a:alphaModFix/>
-          </a:blip>
-          <a:stretch>
-            <a:fillRect/>
-          </a:stretch>
-        </p:blipFill>
-        <p:spPr>
-          <a:xfrm>
-            <a:off x="8201390" y="1920736"/>
-            <a:ext cx="4045110" cy="3772640"/>
-          </a:xfrm>
-          <a:prstGeom prst="rect">
-            <a:avLst/>
-          </a:prstGeom>
-          <a:noFill/>
-          <a:ln>
-            <a:noFill/>
-          </a:ln>
-        </p:spPr>
-      </p:pic>
-      <p:sp>
-        <p:nvSpPr>
-          <p:cNvPr id="229" name="Google Shape;229;p43"/>
-          <p:cNvSpPr txBox="1"/>
-          <p:nvPr/>
-        </p:nvSpPr>
-        <p:spPr>
-          <a:xfrm>
-            <a:off x="8161511" y="5822613"/>
-            <a:ext cx="4369156" cy="437920"/>
-          </a:xfrm>
-          <a:prstGeom prst="rect">
-            <a:avLst/>
-          </a:prstGeom>
-          <a:noFill/>
-          <a:ln>
-            <a:noFill/>
-          </a:ln>
-        </p:spPr>
-        <p:txBody>
-          <a:bodyPr spcFirstLastPara="1" wrap="square" lIns="138153" tIns="138153" rIns="138153" bIns="138153" anchor="t" anchorCtr="0">
-            <a:noAutofit/>
-          </a:bodyPr>
-          <a:lstStyle/>
-          <a:p>
-            <a:r>
-              <a:rPr lang="en" sz="1209" dirty="0">
-                <a:latin typeface="Proxima Nova"/>
-                <a:ea typeface="Proxima Nova"/>
-                <a:cs typeface="Proxima Nova"/>
-                <a:sym typeface="Proxima Nova"/>
-              </a:rPr>
-              <a:t>Credit: University of Cambridge - </a:t>
-            </a:r>
-            <a:r>
-              <a:rPr lang="en" sz="1209" u="sng" dirty="0">
-                <a:solidFill>
-                  <a:schemeClr val="hlink"/>
-                </a:solidFill>
-                <a:latin typeface="Proxima Nova"/>
-                <a:ea typeface="Proxima Nova"/>
-                <a:cs typeface="Proxima Nova"/>
-                <a:sym typeface="Proxima Nova"/>
-                <a:hlinkClick r:id="rId4"/>
-              </a:rPr>
-              <a:t>Inclusive Design Toolkit</a:t>
-            </a:r>
-            <a:endParaRPr sz="1209" dirty="0">
-              <a:latin typeface="Proxima Nova"/>
-              <a:ea typeface="Proxima Nova"/>
-              <a:cs typeface="Proxima Nova"/>
-              <a:sym typeface="Proxima Nova"/>
-            </a:endParaRPr>
-          </a:p>
-        </p:txBody>
-      </p:sp>
-      <p:sp>
-        <p:nvSpPr>
-          <p:cNvPr id="230" name="Google Shape;230;p43"/>
-          <p:cNvSpPr txBox="1"/>
-          <p:nvPr/>
-        </p:nvSpPr>
-        <p:spPr>
-          <a:xfrm>
-            <a:off x="7745880" y="6459320"/>
-            <a:ext cx="5982187" cy="922533"/>
-          </a:xfrm>
-          <a:prstGeom prst="rect">
-            <a:avLst/>
-          </a:prstGeom>
-          <a:noFill/>
-          <a:ln>
-            <a:noFill/>
-          </a:ln>
-        </p:spPr>
-        <p:txBody>
-          <a:bodyPr spcFirstLastPara="1" wrap="square" lIns="138153" tIns="138153" rIns="138153" bIns="138153" anchor="t" anchorCtr="0">
-            <a:noAutofit/>
-          </a:bodyPr>
-          <a:lstStyle/>
-          <a:p>
-            <a:r>
-              <a:rPr lang="en" sz="1511">
-                <a:latin typeface="Proxima Nova"/>
-                <a:ea typeface="Proxima Nova"/>
-                <a:cs typeface="Proxima Nova"/>
-                <a:sym typeface="Proxima Nova"/>
-              </a:rPr>
-              <a:t>3rd Law of Tech: Technology comes in packages, big and small.</a:t>
-            </a:r>
-            <a:endParaRPr sz="1511" dirty="0">
-              <a:latin typeface="Proxima Nova"/>
-              <a:ea typeface="Proxima Nova"/>
-              <a:cs typeface="Proxima Nova"/>
-              <a:sym typeface="Proxima Nova"/>
-            </a:endParaRPr>
-          </a:p>
-          <a:p>
-            <a:r>
-              <a:rPr lang="en" sz="1511">
-                <a:latin typeface="Proxima Nova"/>
-                <a:ea typeface="Proxima Nova"/>
-                <a:cs typeface="Proxima Nova"/>
-                <a:sym typeface="Proxima Nova"/>
-              </a:rPr>
-              <a:t>Further Thinking: All technology, big and small, needs to be designed with the client in mind.</a:t>
-            </a:r>
-            <a:endParaRPr sz="1511" dirty="0">
-              <a:latin typeface="Proxima Nova"/>
-              <a:ea typeface="Proxima Nova"/>
-              <a:cs typeface="Proxima Nova"/>
-              <a:sym typeface="Proxima Nova"/>
-            </a:endParaRPr>
+            <a:endParaRPr lang="en-US"/>
           </a:p>
         </p:txBody>
       </p:sp>
     </p:spTree>
+    <p:extLst>
+      <p:ext uri="{BB962C8B-B14F-4D97-AF65-F5344CB8AC3E}">
+        <p14:creationId xmlns:p14="http://schemas.microsoft.com/office/powerpoint/2010/main" val="313587778"/>
+      </p:ext>
+    </p:extLst>
   </p:cSld>
   <p:clrMapOvr>
     <a:masterClrMapping/>
   </p:clrMapOvr>
+  <mc:AlternateContent xmlns:mc="http://schemas.openxmlformats.org/markup-compatibility/2006" xmlns:p14="http://schemas.microsoft.com/office/powerpoint/2010/main">
+    <mc:Choice Requires="p14">
+      <p:transition p14:dur="300">
+        <p:fade/>
+      </p:transition>
+    </mc:Choice>
+    <mc:Fallback xmlns="">
+      <p:transition>
+        <p:fade/>
+      </p:transition>
+    </mc:Fallback>
+  </mc:AlternateContent>
 </p:sld>
 </file>
 
@@ -13167,7 +13617,7 @@
         <p:spPr>
           <a:xfrm>
             <a:off x="628075" y="1776682"/>
-            <a:ext cx="5163125" cy="1637077"/>
+            <a:ext cx="5163125" cy="1453988"/>
           </a:xfrm>
         </p:spPr>
         <p:txBody>
@@ -13188,7 +13638,7 @@
           <a:p>
             <a:r>
               <a:rPr lang="en-US" dirty="0"/>
-              <a:t>Not  - ”flips” statement </a:t>
+              <a:t>Not  - “flips” statement </a:t>
             </a:r>
           </a:p>
         </p:txBody>
@@ -13825,7 +14275,7 @@
           <p:cNvPr id="2" name="Title 1">
             <a:extLst>
               <a:ext uri="{FF2B5EF4-FFF2-40B4-BE49-F238E27FC236}">
-                <a16:creationId xmlns:a16="http://schemas.microsoft.com/office/drawing/2014/main" id="{E29375D8-831F-FA4E-AD5B-305E6F250E0C}"/>
+                <a16:creationId xmlns:a16="http://schemas.microsoft.com/office/drawing/2014/main" id="{4D7D826B-BAE0-E54A-A018-BD5D38416B6F}"/>
               </a:ext>
             </a:extLst>
           </p:cNvPr>
@@ -13843,7 +14293,7 @@
           <a:p>
             <a:r>
               <a:rPr lang="en-US" dirty="0"/>
-              <a:t>Order of Evaluation</a:t>
+              <a:t>Practice 1</a:t>
             </a:r>
           </a:p>
         </p:txBody>
@@ -13853,7 +14303,7 @@
           <p:cNvPr id="3" name="Text Placeholder 2">
             <a:extLst>
               <a:ext uri="{FF2B5EF4-FFF2-40B4-BE49-F238E27FC236}">
-                <a16:creationId xmlns:a16="http://schemas.microsoft.com/office/drawing/2014/main" id="{D699828F-35C3-5140-9FBD-4616B3D579AE}"/>
+                <a16:creationId xmlns:a16="http://schemas.microsoft.com/office/drawing/2014/main" id="{84D2BA72-150F-7B41-9EFE-477E9B8D8E4D}"/>
               </a:ext>
             </a:extLst>
           </p:cNvPr>
@@ -13876,31 +14326,32 @@
           <a:p>
             <a:r>
               <a:rPr lang="en-US" dirty="0"/>
-              <a:t>What happens in this statement?</a:t>
+              <a:t>Write a line of code that returns true if one is “Rock” and two is “Scissors”</a:t>
             </a:r>
           </a:p>
         </p:txBody>
       </p:sp>
       <p:sp>
         <p:nvSpPr>
-          <p:cNvPr id="4" name="Rectangle 3">
+          <p:cNvPr id="5" name="TextBox 4">
             <a:extLst>
               <a:ext uri="{FF2B5EF4-FFF2-40B4-BE49-F238E27FC236}">
-                <a16:creationId xmlns:a16="http://schemas.microsoft.com/office/drawing/2014/main" id="{8DCF2316-8BEA-BA42-84E9-1A290B120B3F}"/>
+                <a16:creationId xmlns:a16="http://schemas.microsoft.com/office/drawing/2014/main" id="{F1358CAA-556E-564D-8878-E5786AC41A4E}"/>
               </a:ext>
             </a:extLst>
           </p:cNvPr>
-          <p:cNvSpPr/>
+          <p:cNvSpPr txBox="1"/>
           <p:nvPr/>
         </p:nvSpPr>
         <p:spPr>
           <a:xfrm>
-            <a:off x="628075" y="2392591"/>
-            <a:ext cx="12252960" cy="1938992"/>
+            <a:off x="1128890" y="2570994"/>
+            <a:ext cx="6908800" cy="707886"/>
           </a:xfrm>
           <a:prstGeom prst="rect">
             <a:avLst/>
           </a:prstGeom>
+          <a:noFill/>
         </p:spPr>
         <p:txBody>
           <a:bodyPr wrap="square">
@@ -13909,546 +14360,84 @@
           <a:lstStyle/>
           <a:p>
             <a:r>
-              <a:rPr lang="en-US" dirty="0">
-                <a:latin typeface="Consolas" panose="020B0609020204030204" pitchFamily="49" charset="0"/>
-                <a:cs typeface="Consolas" panose="020B0609020204030204" pitchFamily="49" charset="0"/>
-              </a:rPr>
-              <a:t>companion = </a:t>
-            </a:r>
-            <a:r>
-              <a:rPr lang="en-US" dirty="0">
-                <a:solidFill>
-                  <a:srgbClr val="8888C6"/>
-                </a:solidFill>
-                <a:latin typeface="Consolas" panose="020B0609020204030204" pitchFamily="49" charset="0"/>
-                <a:cs typeface="Consolas" panose="020B0609020204030204" pitchFamily="49" charset="0"/>
-              </a:rPr>
-              <a:t>input</a:t>
-            </a:r>
-            <a:r>
-              <a:rPr lang="en-US" dirty="0">
-                <a:latin typeface="Consolas" panose="020B0609020204030204" pitchFamily="49" charset="0"/>
-                <a:cs typeface="Consolas" panose="020B0609020204030204" pitchFamily="49" charset="0"/>
-              </a:rPr>
-              <a:t>(</a:t>
-            </a:r>
-            <a:r>
-              <a:rPr lang="en-US" dirty="0">
-                <a:solidFill>
-                  <a:srgbClr val="6A8759"/>
-                </a:solidFill>
-                <a:latin typeface="Consolas" panose="020B0609020204030204" pitchFamily="49" charset="0"/>
-                <a:cs typeface="Consolas" panose="020B0609020204030204" pitchFamily="49" charset="0"/>
-              </a:rPr>
-              <a:t>"Who is your favorite companion? "</a:t>
-            </a:r>
-            <a:r>
-              <a:rPr lang="en-US" dirty="0">
-                <a:latin typeface="Consolas" panose="020B0609020204030204" pitchFamily="49" charset="0"/>
-                <a:cs typeface="Consolas" panose="020B0609020204030204" pitchFamily="49" charset="0"/>
-              </a:rPr>
-              <a:t>)</a:t>
+              <a:rPr lang="en-US" sz="2000" dirty="0">
+                <a:solidFill>
+                  <a:srgbClr val="CC7832"/>
+                </a:solidFill>
+                <a:latin typeface="Consolas" panose="020B0609020204030204" pitchFamily="49" charset="0"/>
+                <a:cs typeface="Consolas" panose="020B0609020204030204" pitchFamily="49" charset="0"/>
+              </a:rPr>
+              <a:t>def </a:t>
+            </a:r>
+            <a:r>
+              <a:rPr lang="en-US" sz="2000" dirty="0" err="1">
+                <a:solidFill>
+                  <a:srgbClr val="FFC66D"/>
+                </a:solidFill>
+                <a:latin typeface="Consolas" panose="020B0609020204030204" pitchFamily="49" charset="0"/>
+                <a:cs typeface="Consolas" panose="020B0609020204030204" pitchFamily="49" charset="0"/>
+              </a:rPr>
+              <a:t>check_single</a:t>
+            </a:r>
+            <a:r>
+              <a:rPr lang="en-US" sz="2000" dirty="0">
+                <a:latin typeface="Consolas" panose="020B0609020204030204" pitchFamily="49" charset="0"/>
+                <a:cs typeface="Consolas" panose="020B0609020204030204" pitchFamily="49" charset="0"/>
+              </a:rPr>
+              <a:t>(one</a:t>
+            </a:r>
+            <a:r>
+              <a:rPr lang="en-US" sz="2000" dirty="0">
+                <a:solidFill>
+                  <a:srgbClr val="CC7832"/>
+                </a:solidFill>
+                <a:latin typeface="Consolas" panose="020B0609020204030204" pitchFamily="49" charset="0"/>
+                <a:cs typeface="Consolas" panose="020B0609020204030204" pitchFamily="49" charset="0"/>
+              </a:rPr>
+              <a:t>, </a:t>
+            </a:r>
+            <a:r>
+              <a:rPr lang="en-US" sz="2000" dirty="0">
+                <a:latin typeface="Consolas" panose="020B0609020204030204" pitchFamily="49" charset="0"/>
+                <a:cs typeface="Consolas" panose="020B0609020204030204" pitchFamily="49" charset="0"/>
+              </a:rPr>
+              <a:t>two):</a:t>
             </a:r>
             <a:br>
-              <a:rPr lang="en-US" dirty="0">
+              <a:rPr lang="en-US" sz="2000" dirty="0">
                 <a:latin typeface="Consolas" panose="020B0609020204030204" pitchFamily="49" charset="0"/>
                 <a:cs typeface="Consolas" panose="020B0609020204030204" pitchFamily="49" charset="0"/>
               </a:rPr>
             </a:br>
             <a:r>
-              <a:rPr lang="en-US" dirty="0">
-                <a:latin typeface="Consolas" panose="020B0609020204030204" pitchFamily="49" charset="0"/>
-                <a:cs typeface="Consolas" panose="020B0609020204030204" pitchFamily="49" charset="0"/>
-              </a:rPr>
-              <a:t>companion2 = </a:t>
-            </a:r>
-            <a:r>
-              <a:rPr lang="en-US" dirty="0">
-                <a:solidFill>
-                  <a:srgbClr val="8888C6"/>
-                </a:solidFill>
-                <a:latin typeface="Consolas" panose="020B0609020204030204" pitchFamily="49" charset="0"/>
-                <a:cs typeface="Consolas" panose="020B0609020204030204" pitchFamily="49" charset="0"/>
-              </a:rPr>
-              <a:t>input</a:t>
-            </a:r>
-            <a:r>
-              <a:rPr lang="en-US" dirty="0">
-                <a:latin typeface="Consolas" panose="020B0609020204030204" pitchFamily="49" charset="0"/>
-                <a:cs typeface="Consolas" panose="020B0609020204030204" pitchFamily="49" charset="0"/>
-              </a:rPr>
-              <a:t>(</a:t>
-            </a:r>
-            <a:r>
-              <a:rPr lang="en-US" dirty="0">
-                <a:solidFill>
-                  <a:srgbClr val="6A8759"/>
-                </a:solidFill>
-                <a:latin typeface="Consolas" panose="020B0609020204030204" pitchFamily="49" charset="0"/>
-                <a:cs typeface="Consolas" panose="020B0609020204030204" pitchFamily="49" charset="0"/>
-              </a:rPr>
-              <a:t>"Who is the clever one? "</a:t>
-            </a:r>
-            <a:r>
-              <a:rPr lang="en-US" dirty="0">
-                <a:latin typeface="Consolas" panose="020B0609020204030204" pitchFamily="49" charset="0"/>
-                <a:cs typeface="Consolas" panose="020B0609020204030204" pitchFamily="49" charset="0"/>
-              </a:rPr>
-              <a:t>)</a:t>
-            </a:r>
-            <a:br>
-              <a:rPr lang="en-US" dirty="0">
-                <a:latin typeface="Consolas" panose="020B0609020204030204" pitchFamily="49" charset="0"/>
-                <a:cs typeface="Consolas" panose="020B0609020204030204" pitchFamily="49" charset="0"/>
-              </a:rPr>
-            </a:br>
-            <a:r>
-              <a:rPr lang="en-US" dirty="0">
-                <a:solidFill>
-                  <a:srgbClr val="CC7832"/>
-                </a:solidFill>
-                <a:latin typeface="Consolas" panose="020B0609020204030204" pitchFamily="49" charset="0"/>
-                <a:cs typeface="Consolas" panose="020B0609020204030204" pitchFamily="49" charset="0"/>
-              </a:rPr>
-              <a:t>if </a:t>
-            </a:r>
-            <a:r>
-              <a:rPr lang="en-US" dirty="0">
-                <a:latin typeface="Consolas" panose="020B0609020204030204" pitchFamily="49" charset="0"/>
-                <a:cs typeface="Consolas" panose="020B0609020204030204" pitchFamily="49" charset="0"/>
-              </a:rPr>
-              <a:t>companion == </a:t>
-            </a:r>
-            <a:r>
-              <a:rPr lang="en-US" dirty="0">
-                <a:solidFill>
-                  <a:srgbClr val="6A8759"/>
-                </a:solidFill>
-                <a:latin typeface="Consolas" panose="020B0609020204030204" pitchFamily="49" charset="0"/>
-                <a:cs typeface="Consolas" panose="020B0609020204030204" pitchFamily="49" charset="0"/>
-              </a:rPr>
-              <a:t>"Amy" </a:t>
-            </a:r>
-            <a:r>
-              <a:rPr lang="en-US" dirty="0">
-                <a:solidFill>
-                  <a:srgbClr val="CC7832"/>
-                </a:solidFill>
-                <a:latin typeface="Consolas" panose="020B0609020204030204" pitchFamily="49" charset="0"/>
-                <a:cs typeface="Consolas" panose="020B0609020204030204" pitchFamily="49" charset="0"/>
-              </a:rPr>
-              <a:t>or </a:t>
-            </a:r>
-            <a:r>
-              <a:rPr lang="en-US" dirty="0">
-                <a:latin typeface="Consolas" panose="020B0609020204030204" pitchFamily="49" charset="0"/>
-                <a:cs typeface="Consolas" panose="020B0609020204030204" pitchFamily="49" charset="0"/>
-              </a:rPr>
-              <a:t>companion == </a:t>
-            </a:r>
-            <a:r>
-              <a:rPr lang="en-US" dirty="0">
-                <a:solidFill>
-                  <a:srgbClr val="6A8759"/>
-                </a:solidFill>
-                <a:latin typeface="Consolas" panose="020B0609020204030204" pitchFamily="49" charset="0"/>
-                <a:cs typeface="Consolas" panose="020B0609020204030204" pitchFamily="49" charset="0"/>
-              </a:rPr>
-              <a:t>"Martha"</a:t>
-            </a:r>
-            <a:r>
-              <a:rPr lang="en-US" dirty="0">
-                <a:latin typeface="Consolas" panose="020B0609020204030204" pitchFamily="49" charset="0"/>
-                <a:cs typeface="Consolas" panose="020B0609020204030204" pitchFamily="49" charset="0"/>
-              </a:rPr>
-              <a:t> </a:t>
-            </a:r>
-            <a:r>
-              <a:rPr lang="en-US" dirty="0">
-                <a:solidFill>
-                  <a:srgbClr val="CC7832"/>
-                </a:solidFill>
-                <a:latin typeface="Consolas" panose="020B0609020204030204" pitchFamily="49" charset="0"/>
-                <a:cs typeface="Consolas" panose="020B0609020204030204" pitchFamily="49" charset="0"/>
-              </a:rPr>
-              <a:t>and </a:t>
-            </a:r>
-            <a:r>
-              <a:rPr lang="en-US" dirty="0">
-                <a:latin typeface="Consolas" panose="020B0609020204030204" pitchFamily="49" charset="0"/>
-                <a:cs typeface="Consolas" panose="020B0609020204030204" pitchFamily="49" charset="0"/>
-              </a:rPr>
-              <a:t>companion2 == </a:t>
-            </a:r>
-            <a:r>
-              <a:rPr lang="en-US" dirty="0">
-                <a:solidFill>
-                  <a:srgbClr val="6A8759"/>
-                </a:solidFill>
-                <a:latin typeface="Consolas" panose="020B0609020204030204" pitchFamily="49" charset="0"/>
-                <a:cs typeface="Consolas" panose="020B0609020204030204" pitchFamily="49" charset="0"/>
-              </a:rPr>
-              <a:t>"Clara"</a:t>
-            </a:r>
-            <a:r>
-              <a:rPr lang="en-US" dirty="0">
-                <a:latin typeface="Consolas" panose="020B0609020204030204" pitchFamily="49" charset="0"/>
-                <a:cs typeface="Consolas" panose="020B0609020204030204" pitchFamily="49" charset="0"/>
-              </a:rPr>
-              <a:t>:</a:t>
-            </a:r>
-            <a:br>
-              <a:rPr lang="en-US" dirty="0">
-                <a:latin typeface="Consolas" panose="020B0609020204030204" pitchFamily="49" charset="0"/>
-                <a:cs typeface="Consolas" panose="020B0609020204030204" pitchFamily="49" charset="0"/>
-              </a:rPr>
-            </a:br>
-            <a:r>
-              <a:rPr lang="en-US" dirty="0">
-                <a:latin typeface="Consolas" panose="020B0609020204030204" pitchFamily="49" charset="0"/>
-                <a:cs typeface="Consolas" panose="020B0609020204030204" pitchFamily="49" charset="0"/>
-              </a:rPr>
-              <a:t>    </a:t>
-            </a:r>
-            <a:r>
-              <a:rPr lang="en-US" dirty="0">
-                <a:solidFill>
-                  <a:srgbClr val="8888C6"/>
-                </a:solidFill>
-                <a:latin typeface="Consolas" panose="020B0609020204030204" pitchFamily="49" charset="0"/>
-                <a:cs typeface="Consolas" panose="020B0609020204030204" pitchFamily="49" charset="0"/>
-              </a:rPr>
-              <a:t>print</a:t>
-            </a:r>
-            <a:r>
-              <a:rPr lang="en-US" dirty="0">
-                <a:latin typeface="Consolas" panose="020B0609020204030204" pitchFamily="49" charset="0"/>
-                <a:cs typeface="Consolas" panose="020B0609020204030204" pitchFamily="49" charset="0"/>
-              </a:rPr>
-              <a:t>(</a:t>
-            </a:r>
-            <a:r>
-              <a:rPr lang="en-US" dirty="0">
-                <a:solidFill>
-                  <a:srgbClr val="6A8759"/>
-                </a:solidFill>
-                <a:latin typeface="Consolas" panose="020B0609020204030204" pitchFamily="49" charset="0"/>
-                <a:cs typeface="Consolas" panose="020B0609020204030204" pitchFamily="49" charset="0"/>
-              </a:rPr>
-              <a:t>"They  are all good!"</a:t>
-            </a:r>
-            <a:r>
-              <a:rPr lang="en-US" dirty="0">
-                <a:latin typeface="Consolas" panose="020B0609020204030204" pitchFamily="49" charset="0"/>
-                <a:cs typeface="Consolas" panose="020B0609020204030204" pitchFamily="49" charset="0"/>
-              </a:rPr>
-              <a:t>)</a:t>
-            </a:r>
-            <a:br>
-              <a:rPr lang="en-US" dirty="0">
-                <a:latin typeface="Consolas" panose="020B0609020204030204" pitchFamily="49" charset="0"/>
-                <a:cs typeface="Consolas" panose="020B0609020204030204" pitchFamily="49" charset="0"/>
-              </a:rPr>
-            </a:br>
-            <a:r>
-              <a:rPr lang="en-US" dirty="0">
-                <a:solidFill>
-                  <a:srgbClr val="CC7832"/>
-                </a:solidFill>
-                <a:latin typeface="Consolas" panose="020B0609020204030204" pitchFamily="49" charset="0"/>
-                <a:cs typeface="Consolas" panose="020B0609020204030204" pitchFamily="49" charset="0"/>
-              </a:rPr>
-              <a:t>else</a:t>
-            </a:r>
-            <a:r>
-              <a:rPr lang="en-US" dirty="0">
-                <a:latin typeface="Consolas" panose="020B0609020204030204" pitchFamily="49" charset="0"/>
-                <a:cs typeface="Consolas" panose="020B0609020204030204" pitchFamily="49" charset="0"/>
-              </a:rPr>
-              <a:t>:</a:t>
-            </a:r>
-            <a:br>
-              <a:rPr lang="en-US" dirty="0">
-                <a:latin typeface="Consolas" panose="020B0609020204030204" pitchFamily="49" charset="0"/>
-                <a:cs typeface="Consolas" panose="020B0609020204030204" pitchFamily="49" charset="0"/>
-              </a:rPr>
-            </a:br>
-            <a:r>
-              <a:rPr lang="en-US" dirty="0">
-                <a:latin typeface="Consolas" panose="020B0609020204030204" pitchFamily="49" charset="0"/>
-                <a:cs typeface="Consolas" panose="020B0609020204030204" pitchFamily="49" charset="0"/>
-              </a:rPr>
-              <a:t>    </a:t>
-            </a:r>
-            <a:r>
-              <a:rPr lang="en-US" dirty="0">
-                <a:solidFill>
-                  <a:srgbClr val="8888C6"/>
-                </a:solidFill>
-                <a:latin typeface="Consolas" panose="020B0609020204030204" pitchFamily="49" charset="0"/>
-                <a:cs typeface="Consolas" panose="020B0609020204030204" pitchFamily="49" charset="0"/>
-              </a:rPr>
-              <a:t>print</a:t>
-            </a:r>
-            <a:r>
-              <a:rPr lang="en-US" dirty="0">
-                <a:latin typeface="Consolas" panose="020B0609020204030204" pitchFamily="49" charset="0"/>
-                <a:cs typeface="Consolas" panose="020B0609020204030204" pitchFamily="49" charset="0"/>
-              </a:rPr>
-              <a:t>(</a:t>
-            </a:r>
-            <a:r>
-              <a:rPr lang="en-US" dirty="0">
-                <a:solidFill>
-                  <a:srgbClr val="6A8759"/>
-                </a:solidFill>
-                <a:latin typeface="Consolas" panose="020B0609020204030204" pitchFamily="49" charset="0"/>
-                <a:cs typeface="Consolas" panose="020B0609020204030204" pitchFamily="49" charset="0"/>
-              </a:rPr>
-              <a:t>"Did you forget Clara?"</a:t>
-            </a:r>
-            <a:r>
-              <a:rPr lang="en-US" dirty="0">
-                <a:latin typeface="Consolas" panose="020B0609020204030204" pitchFamily="49" charset="0"/>
-                <a:cs typeface="Consolas" panose="020B0609020204030204" pitchFamily="49" charset="0"/>
-              </a:rPr>
-              <a:t>)</a:t>
-            </a:r>
-          </a:p>
-        </p:txBody>
-      </p:sp>
-      <p:sp>
-        <p:nvSpPr>
-          <p:cNvPr id="7" name="Text Placeholder 2">
-            <a:extLst>
-              <a:ext uri="{FF2B5EF4-FFF2-40B4-BE49-F238E27FC236}">
-                <a16:creationId xmlns:a16="http://schemas.microsoft.com/office/drawing/2014/main" id="{3BBA97CC-6678-734A-A88F-928914D6A7AC}"/>
-              </a:ext>
-            </a:extLst>
-          </p:cNvPr>
-          <p:cNvSpPr txBox="1">
-            <a:spLocks/>
-          </p:cNvSpPr>
-          <p:nvPr/>
-        </p:nvSpPr>
-        <p:spPr>
-          <a:xfrm>
-            <a:off x="628072" y="4411206"/>
-            <a:ext cx="12561453" cy="1974900"/>
-          </a:xfrm>
-          <a:prstGeom prst="rect">
-            <a:avLst/>
-          </a:prstGeom>
-        </p:spPr>
-        <p:txBody>
-          <a:bodyPr vert="horz" lIns="91440" tIns="91440" rIns="91440" bIns="91440" rtlCol="0">
-            <a:spAutoFit/>
-          </a:bodyPr>
-          <a:lstStyle>
-            <a:lvl1pPr marL="524712" indent="-524712" algn="l" defTabSz="699614" rtl="0" eaLnBrk="1" latinLnBrk="0" hangingPunct="1">
-              <a:lnSpc>
-                <a:spcPct val="120000"/>
-              </a:lnSpc>
-              <a:spcBef>
-                <a:spcPts val="600"/>
-              </a:spcBef>
-              <a:spcAft>
-                <a:spcPts val="600"/>
-              </a:spcAft>
-              <a:buFont typeface="Arial"/>
-              <a:buChar char="•"/>
-              <a:defRPr sz="1800" b="0" i="0" kern="1200">
-                <a:solidFill>
-                  <a:srgbClr val="092529"/>
-                </a:solidFill>
-                <a:latin typeface="Proxima Nova" charset="0"/>
-                <a:ea typeface="Proxima Nova" charset="0"/>
-                <a:cs typeface="Proxima Nova" charset="0"/>
-              </a:defRPr>
-            </a:lvl1pPr>
-            <a:lvl2pPr marL="1136875" indent="-437261" algn="l" defTabSz="699614" rtl="0" eaLnBrk="1" latinLnBrk="0" hangingPunct="1">
-              <a:lnSpc>
-                <a:spcPct val="120000"/>
-              </a:lnSpc>
-              <a:spcBef>
-                <a:spcPts val="0"/>
-              </a:spcBef>
-              <a:spcAft>
-                <a:spcPts val="600"/>
-              </a:spcAft>
-              <a:buFont typeface="Arial"/>
-              <a:buChar char="–"/>
-              <a:defRPr sz="1600" b="0" i="0" kern="1200">
-                <a:solidFill>
-                  <a:srgbClr val="092529"/>
-                </a:solidFill>
-                <a:latin typeface="Proxima Nova" charset="0"/>
-                <a:ea typeface="Proxima Nova" charset="0"/>
-                <a:cs typeface="Proxima Nova" charset="0"/>
-              </a:defRPr>
-            </a:lvl2pPr>
-            <a:lvl3pPr marL="1749040" indent="-349807" algn="l" defTabSz="699614" rtl="0" eaLnBrk="1" latinLnBrk="0" hangingPunct="1">
-              <a:lnSpc>
-                <a:spcPct val="120000"/>
-              </a:lnSpc>
-              <a:spcBef>
-                <a:spcPts val="0"/>
-              </a:spcBef>
-              <a:spcAft>
-                <a:spcPts val="600"/>
-              </a:spcAft>
-              <a:buFont typeface="Arial"/>
-              <a:buChar char="•"/>
-              <a:defRPr sz="1600" b="0" i="0" kern="1200">
-                <a:solidFill>
-                  <a:srgbClr val="092529"/>
-                </a:solidFill>
-                <a:latin typeface="Proxima Nova" charset="0"/>
-                <a:ea typeface="Proxima Nova" charset="0"/>
-                <a:cs typeface="Proxima Nova" charset="0"/>
-              </a:defRPr>
-            </a:lvl3pPr>
-            <a:lvl4pPr marL="2448655" indent="-349807" algn="l" defTabSz="699614" rtl="0" eaLnBrk="1" latinLnBrk="0" hangingPunct="1">
-              <a:lnSpc>
-                <a:spcPct val="120000"/>
-              </a:lnSpc>
-              <a:spcBef>
-                <a:spcPts val="0"/>
-              </a:spcBef>
-              <a:spcAft>
-                <a:spcPts val="600"/>
-              </a:spcAft>
-              <a:buFont typeface="Arial"/>
-              <a:buChar char="–"/>
-              <a:defRPr sz="1600" b="0" i="0" kern="1200">
-                <a:solidFill>
-                  <a:srgbClr val="092529"/>
-                </a:solidFill>
-                <a:latin typeface="Proxima Nova" charset="0"/>
-                <a:ea typeface="Proxima Nova" charset="0"/>
-                <a:cs typeface="Proxima Nova" charset="0"/>
-              </a:defRPr>
-            </a:lvl4pPr>
-            <a:lvl5pPr marL="3148272" indent="-349807" algn="l" defTabSz="699614" rtl="0" eaLnBrk="1" latinLnBrk="0" hangingPunct="1">
-              <a:spcBef>
-                <a:spcPct val="20000"/>
-              </a:spcBef>
-              <a:buFont typeface="Arial"/>
-              <a:buChar char="»"/>
-              <a:defRPr sz="1648" b="0" kern="1200">
-                <a:solidFill>
-                  <a:srgbClr val="092529"/>
-                </a:solidFill>
-                <a:latin typeface="Franklin Gothic Book" charset="0"/>
-                <a:ea typeface="Franklin Gothic Book" charset="0"/>
-                <a:cs typeface="Franklin Gothic Book" charset="0"/>
-              </a:defRPr>
-            </a:lvl5pPr>
-            <a:lvl6pPr marL="3847888" indent="-349807" algn="l" defTabSz="699614" rtl="0" eaLnBrk="1" latinLnBrk="0" hangingPunct="1">
-              <a:spcBef>
-                <a:spcPct val="20000"/>
-              </a:spcBef>
-              <a:buFont typeface="Arial"/>
-              <a:buChar char="•"/>
-              <a:defRPr sz="3022" kern="1200">
-                <a:solidFill>
-                  <a:schemeClr val="tx1"/>
-                </a:solidFill>
-                <a:latin typeface="+mn-lt"/>
-                <a:ea typeface="+mn-ea"/>
-                <a:cs typeface="+mn-cs"/>
-              </a:defRPr>
-            </a:lvl6pPr>
-            <a:lvl7pPr marL="4547505" indent="-349807" algn="l" defTabSz="699614" rtl="0" eaLnBrk="1" latinLnBrk="0" hangingPunct="1">
-              <a:spcBef>
-                <a:spcPct val="20000"/>
-              </a:spcBef>
-              <a:buFont typeface="Arial"/>
-              <a:buChar char="•"/>
-              <a:defRPr sz="3022" kern="1200">
-                <a:solidFill>
-                  <a:schemeClr val="tx1"/>
-                </a:solidFill>
-                <a:latin typeface="+mn-lt"/>
-                <a:ea typeface="+mn-ea"/>
-                <a:cs typeface="+mn-cs"/>
-              </a:defRPr>
-            </a:lvl7pPr>
-            <a:lvl8pPr marL="5247119" indent="-349807" algn="l" defTabSz="699614" rtl="0" eaLnBrk="1" latinLnBrk="0" hangingPunct="1">
-              <a:spcBef>
-                <a:spcPct val="20000"/>
-              </a:spcBef>
-              <a:buFont typeface="Arial"/>
-              <a:buChar char="•"/>
-              <a:defRPr sz="3022" kern="1200">
-                <a:solidFill>
-                  <a:schemeClr val="tx1"/>
-                </a:solidFill>
-                <a:latin typeface="+mn-lt"/>
-                <a:ea typeface="+mn-ea"/>
-                <a:cs typeface="+mn-cs"/>
-              </a:defRPr>
-            </a:lvl8pPr>
-            <a:lvl9pPr marL="5946736" indent="-349807" algn="l" defTabSz="699614" rtl="0" eaLnBrk="1" latinLnBrk="0" hangingPunct="1">
-              <a:spcBef>
-                <a:spcPct val="20000"/>
-              </a:spcBef>
-              <a:buFont typeface="Arial"/>
-              <a:buChar char="•"/>
-              <a:defRPr sz="3022" kern="1200">
-                <a:solidFill>
-                  <a:schemeClr val="tx1"/>
-                </a:solidFill>
-                <a:latin typeface="+mn-lt"/>
-                <a:ea typeface="+mn-ea"/>
-                <a:cs typeface="+mn-cs"/>
-              </a:defRPr>
-            </a:lvl9pPr>
-          </a:lstStyle>
-          <a:p>
-            <a:r>
-              <a:rPr lang="en-US" dirty="0"/>
-              <a:t>Enter: Amy, and Bob </a:t>
-            </a:r>
-          </a:p>
-          <a:p>
-            <a:pPr lvl="1"/>
-            <a:r>
-              <a:rPr lang="en-US" dirty="0"/>
-              <a:t>Evaluates as True</a:t>
-            </a:r>
-          </a:p>
-          <a:p>
-            <a:pPr lvl="1"/>
-            <a:r>
-              <a:rPr lang="en-US" b="1" dirty="0"/>
-              <a:t>and</a:t>
-            </a:r>
-            <a:r>
-              <a:rPr lang="en-US" dirty="0"/>
-              <a:t> is evaluated first, so just Amy is all that is needed</a:t>
-            </a:r>
-          </a:p>
-          <a:p>
-            <a:pPr lvl="1"/>
-            <a:r>
-              <a:rPr lang="en-US" dirty="0"/>
-              <a:t>Is this what we want?</a:t>
-            </a:r>
-          </a:p>
-          <a:p>
-            <a:pPr lvl="1"/>
-            <a:r>
-              <a:rPr lang="en-US" dirty="0"/>
-              <a:t>How do we fix it?</a:t>
-            </a:r>
+              <a:rPr lang="en-US" sz="2000" dirty="0">
+                <a:latin typeface="Consolas" panose="020B0609020204030204" pitchFamily="49" charset="0"/>
+                <a:cs typeface="Consolas" panose="020B0609020204030204" pitchFamily="49" charset="0"/>
+              </a:rPr>
+              <a:t>    # </a:t>
+            </a:r>
+            <a:r>
+              <a:rPr lang="en-US" sz="2000" dirty="0" err="1">
+                <a:latin typeface="Consolas" panose="020B0609020204030204" pitchFamily="49" charset="0"/>
+                <a:cs typeface="Consolas" panose="020B0609020204030204" pitchFamily="49" charset="0"/>
+              </a:rPr>
+              <a:t>todo</a:t>
+            </a:r>
+            <a:r>
+              <a:rPr lang="en-US" sz="2000" dirty="0">
+                <a:latin typeface="Consolas" panose="020B0609020204030204" pitchFamily="49" charset="0"/>
+                <a:cs typeface="Consolas" panose="020B0609020204030204" pitchFamily="49" charset="0"/>
+              </a:rPr>
+              <a:t>!</a:t>
+            </a:r>
+            <a:endParaRPr lang="en-US" dirty="0"/>
           </a:p>
         </p:txBody>
       </p:sp>
     </p:spTree>
     <p:extLst>
       <p:ext uri="{BB962C8B-B14F-4D97-AF65-F5344CB8AC3E}">
-        <p14:creationId xmlns:p14="http://schemas.microsoft.com/office/powerpoint/2010/main" val="3214192831"/>
+        <p14:creationId xmlns:p14="http://schemas.microsoft.com/office/powerpoint/2010/main" val="2669702396"/>
       </p:ext>
     </p:extLst>
   </p:cSld>

--- a/Slides/On-Campus/05_02_unconciousBias_Logic.pptx
+++ b/Slides/On-Campus/05_02_unconciousBias_Logic.pptx
@@ -228,7 +228,7 @@
           <a:p>
             <a:fld id="{4D7E51A5-B478-1E40-8CBB-0DAA8831E99D}" type="datetimeFigureOut">
               <a:rPr lang="en-US" smtClean="0"/>
-              <a:t>9/22/2021</a:t>
+              <a:t>9/23/21</a:t>
             </a:fld>
             <a:endParaRPr lang="en-US"/>
           </a:p>
@@ -393,7 +393,7 @@
           <a:p>
             <a:fld id="{D0ED587F-861E-6740-9643-E3DDAE89B8D6}" type="datetimeFigureOut">
               <a:rPr lang="en-US" smtClean="0"/>
-              <a:t>9/22/2021</a:t>
+              <a:t>9/23/21</a:t>
             </a:fld>
             <a:endParaRPr lang="en-US"/>
           </a:p>
@@ -12150,8 +12150,8 @@
         </p:nvSpPr>
         <p:spPr>
           <a:xfrm>
-            <a:off x="4757884" y="2115432"/>
-            <a:ext cx="3961227" cy="4661173"/>
+            <a:off x="4757884" y="2213784"/>
+            <a:ext cx="4131794" cy="4661173"/>
           </a:xfrm>
           <a:prstGeom prst="rect">
             <a:avLst/>
@@ -12372,7 +12372,7 @@
         <p:spPr>
           <a:xfrm>
             <a:off x="9228262" y="2198235"/>
-            <a:ext cx="3961227" cy="4708773"/>
+            <a:ext cx="4301851" cy="4708773"/>
           </a:xfrm>
           <a:prstGeom prst="rect">
             <a:avLst/>
@@ -13550,6 +13550,146 @@
       </p:transition>
     </mc:Fallback>
   </mc:AlternateContent>
+  <p:timing>
+    <p:tnLst>
+      <p:par>
+        <p:cTn id="1" dur="indefinite" restart="never" nodeType="tmRoot">
+          <p:childTnLst>
+            <p:seq concurrent="1" nextAc="seek">
+              <p:cTn id="2" dur="indefinite" nodeType="mainSeq">
+                <p:childTnLst>
+                  <p:par>
+                    <p:cTn id="3" fill="hold">
+                      <p:stCondLst>
+                        <p:cond delay="indefinite"/>
+                      </p:stCondLst>
+                      <p:childTnLst>
+                        <p:par>
+                          <p:cTn id="4" fill="hold">
+                            <p:stCondLst>
+                              <p:cond delay="0"/>
+                            </p:stCondLst>
+                            <p:childTnLst>
+                              <p:par>
+                                <p:cTn id="5" presetID="9" presetClass="entr" presetSubtype="0" fill="hold" grpId="0" nodeType="clickEffect">
+                                  <p:stCondLst>
+                                    <p:cond delay="0"/>
+                                  </p:stCondLst>
+                                  <p:childTnLst>
+                                    <p:set>
+                                      <p:cBhvr>
+                                        <p:cTn id="6" dur="1" fill="hold">
+                                          <p:stCondLst>
+                                            <p:cond delay="0"/>
+                                          </p:stCondLst>
+                                        </p:cTn>
+                                        <p:tgtEl>
+                                          <p:spTgt spid="8"/>
+                                        </p:tgtEl>
+                                        <p:attrNameLst>
+                                          <p:attrName>style.visibility</p:attrName>
+                                        </p:attrNameLst>
+                                      </p:cBhvr>
+                                      <p:to>
+                                        <p:strVal val="visible"/>
+                                      </p:to>
+                                    </p:set>
+                                    <p:animEffect transition="in" filter="dissolve">
+                                      <p:cBhvr>
+                                        <p:cTn id="7" dur="500"/>
+                                        <p:tgtEl>
+                                          <p:spTgt spid="8"/>
+                                        </p:tgtEl>
+                                      </p:cBhvr>
+                                    </p:animEffect>
+                                  </p:childTnLst>
+                                </p:cTn>
+                              </p:par>
+                            </p:childTnLst>
+                          </p:cTn>
+                        </p:par>
+                      </p:childTnLst>
+                    </p:cTn>
+                  </p:par>
+                  <p:par>
+                    <p:cTn id="8" fill="hold">
+                      <p:stCondLst>
+                        <p:cond delay="indefinite"/>
+                      </p:stCondLst>
+                      <p:childTnLst>
+                        <p:par>
+                          <p:cTn id="9" fill="hold">
+                            <p:stCondLst>
+                              <p:cond delay="0"/>
+                            </p:stCondLst>
+                            <p:childTnLst>
+                              <p:par>
+                                <p:cTn id="10" presetID="9" presetClass="entr" presetSubtype="0" fill="hold" grpId="0" nodeType="clickEffect">
+                                  <p:stCondLst>
+                                    <p:cond delay="0"/>
+                                  </p:stCondLst>
+                                  <p:childTnLst>
+                                    <p:set>
+                                      <p:cBhvr>
+                                        <p:cTn id="11" dur="1" fill="hold">
+                                          <p:stCondLst>
+                                            <p:cond delay="0"/>
+                                          </p:stCondLst>
+                                        </p:cTn>
+                                        <p:tgtEl>
+                                          <p:spTgt spid="9"/>
+                                        </p:tgtEl>
+                                        <p:attrNameLst>
+                                          <p:attrName>style.visibility</p:attrName>
+                                        </p:attrNameLst>
+                                      </p:cBhvr>
+                                      <p:to>
+                                        <p:strVal val="visible"/>
+                                      </p:to>
+                                    </p:set>
+                                    <p:animEffect transition="in" filter="dissolve">
+                                      <p:cBhvr>
+                                        <p:cTn id="12" dur="500"/>
+                                        <p:tgtEl>
+                                          <p:spTgt spid="9"/>
+                                        </p:tgtEl>
+                                      </p:cBhvr>
+                                    </p:animEffect>
+                                  </p:childTnLst>
+                                </p:cTn>
+                              </p:par>
+                            </p:childTnLst>
+                          </p:cTn>
+                        </p:par>
+                      </p:childTnLst>
+                    </p:cTn>
+                  </p:par>
+                </p:childTnLst>
+              </p:cTn>
+              <p:prevCondLst>
+                <p:cond evt="onPrev" delay="0">
+                  <p:tgtEl>
+                    <p:sldTgt/>
+                  </p:tgtEl>
+                </p:cond>
+              </p:prevCondLst>
+              <p:nextCondLst>
+                <p:cond evt="onNext" delay="0">
+                  <p:tgtEl>
+                    <p:sldTgt/>
+                  </p:tgtEl>
+                </p:cond>
+              </p:nextCondLst>
+            </p:seq>
+          </p:childTnLst>
+        </p:cTn>
+      </p:par>
+    </p:tnLst>
+    <p:bldLst>
+      <p:bldP spid="8" grpId="0"/>
+      <p:bldP spid="9" grpId="0"/>
+    </p:bldLst>
+  </p:timing>
 </p:sld>
 </file>
 
@@ -14345,7 +14485,7 @@
         </p:nvSpPr>
         <p:spPr>
           <a:xfrm>
-            <a:off x="1128890" y="2570994"/>
+            <a:off x="982135" y="2853216"/>
             <a:ext cx="6908800" cy="707886"/>
           </a:xfrm>
           <a:prstGeom prst="rect">
